--- a/Documents/Planspiel_Slides_Graf.pptx
+++ b/Documents/Planspiel_Slides_Graf.pptx
@@ -5,7 +5,7 @@
     <p:sldMasterId id="2147483648" r:id="rId1"/>
   </p:sldMasterIdLst>
   <p:notesMasterIdLst>
-    <p:notesMasterId r:id="rId9"/>
+    <p:notesMasterId r:id="rId10"/>
   </p:notesMasterIdLst>
   <p:sldIdLst>
     <p:sldId id="259" r:id="rId2"/>
@@ -14,7 +14,8 @@
     <p:sldId id="278" r:id="rId5"/>
     <p:sldId id="279" r:id="rId6"/>
     <p:sldId id="280" r:id="rId7"/>
-    <p:sldId id="273" r:id="rId8"/>
+    <p:sldId id="281" r:id="rId8"/>
+    <p:sldId id="273" r:id="rId9"/>
   </p:sldIdLst>
   <p:sldSz cx="12192000" cy="6858000"/>
   <p:notesSz cx="6858000" cy="9144000"/>
@@ -739,7 +740,7 @@
           <a:p>
             <a:fld id="{764284CA-2FFE-42F8-B655-6B9C440A42C0}" type="datetimeFigureOut">
               <a:rPr lang="de-DE" smtClean="0"/>
-              <a:t>02.07.2022</a:t>
+              <a:t>03.07.2022</a:t>
             </a:fld>
             <a:endParaRPr lang="de-DE"/>
           </a:p>
@@ -897,7 +898,7 @@
           <a:p>
             <a:fld id="{A20A9311-5F6B-4CCE-8112-6B0C08440ACD}" type="slidenum">
               <a:rPr lang="de-DE" smtClean="0"/>
-              <a:t>‹Nr.›</a:t>
+              <a:t>‹#›</a:t>
             </a:fld>
             <a:endParaRPr lang="de-DE"/>
           </a:p>
@@ -1028,7 +1029,7 @@
           <p:cNvPr id="2" name="Titel 1">
             <a:extLst>
               <a:ext uri="{FF2B5EF4-FFF2-40B4-BE49-F238E27FC236}">
-                <a16:creationId xmlns:a16="http://schemas.microsoft.com/office/drawing/2014/main" id="{DCC9C744-82B2-42F8-A02B-CF92B2508543}"/>
+                <a16:creationId xmlns:a16="http://schemas.microsoft.com/office/drawing/2014/main" xmlns="" id="{DCC9C744-82B2-42F8-A02B-CF92B2508543}"/>
               </a:ext>
             </a:extLst>
           </p:cNvPr>
@@ -1065,7 +1066,7 @@
           <p:cNvPr id="3" name="Untertitel 2">
             <a:extLst>
               <a:ext uri="{FF2B5EF4-FFF2-40B4-BE49-F238E27FC236}">
-                <a16:creationId xmlns:a16="http://schemas.microsoft.com/office/drawing/2014/main" id="{9B4CC61D-133E-42AD-8357-049D6177B4A8}"/>
+                <a16:creationId xmlns:a16="http://schemas.microsoft.com/office/drawing/2014/main" xmlns="" id="{9B4CC61D-133E-42AD-8357-049D6177B4A8}"/>
               </a:ext>
             </a:extLst>
           </p:cNvPr>
@@ -1135,7 +1136,7 @@
           <p:cNvPr id="4" name="Datumsplatzhalter 3">
             <a:extLst>
               <a:ext uri="{FF2B5EF4-FFF2-40B4-BE49-F238E27FC236}">
-                <a16:creationId xmlns:a16="http://schemas.microsoft.com/office/drawing/2014/main" id="{7A7F5985-2CA3-4AC2-8021-B2367716BC8E}"/>
+                <a16:creationId xmlns:a16="http://schemas.microsoft.com/office/drawing/2014/main" xmlns="" id="{7A7F5985-2CA3-4AC2-8021-B2367716BC8E}"/>
               </a:ext>
             </a:extLst>
           </p:cNvPr>
@@ -1168,7 +1169,7 @@
           <a:p>
             <a:fld id="{7C1D7B5E-0C64-44F6-9E4E-08B6EB51C12E}" type="datetime1">
               <a:rPr lang="de-DE" smtClean="0"/>
-              <a:t>02.07.2022</a:t>
+              <a:t>03.07.2022</a:t>
             </a:fld>
             <a:endParaRPr lang="de-DE"/>
           </a:p>
@@ -1179,7 +1180,7 @@
           <p:cNvPr id="5" name="Fußzeilenplatzhalter 4">
             <a:extLst>
               <a:ext uri="{FF2B5EF4-FFF2-40B4-BE49-F238E27FC236}">
-                <a16:creationId xmlns:a16="http://schemas.microsoft.com/office/drawing/2014/main" id="{1D4C0ED9-7F16-4F3A-AD18-131E2CD4F7A0}"/>
+                <a16:creationId xmlns:a16="http://schemas.microsoft.com/office/drawing/2014/main" xmlns="" id="{1D4C0ED9-7F16-4F3A-AD18-131E2CD4F7A0}"/>
               </a:ext>
             </a:extLst>
           </p:cNvPr>
@@ -1219,7 +1220,7 @@
           <p:cNvPr id="6" name="Foliennummernplatzhalter 5">
             <a:extLst>
               <a:ext uri="{FF2B5EF4-FFF2-40B4-BE49-F238E27FC236}">
-                <a16:creationId xmlns:a16="http://schemas.microsoft.com/office/drawing/2014/main" id="{318CAAA8-E4D4-4D12-9568-212F6422E730}"/>
+                <a16:creationId xmlns:a16="http://schemas.microsoft.com/office/drawing/2014/main" xmlns="" id="{318CAAA8-E4D4-4D12-9568-212F6422E730}"/>
               </a:ext>
             </a:extLst>
           </p:cNvPr>
@@ -1253,7 +1254,7 @@
             <a:fld id="{DF58FA25-156B-428B-A75B-54B738B0BEF7}" type="slidenum">
               <a:rPr lang="de-DE" smtClean="0"/>
               <a:pPr/>
-              <a:t>‹Nr.›</a:t>
+              <a:t>‹#›</a:t>
             </a:fld>
             <a:endParaRPr lang="de-DE"/>
           </a:p>
@@ -1294,7 +1295,7 @@
           <p:cNvPr id="2" name="Titel 1">
             <a:extLst>
               <a:ext uri="{FF2B5EF4-FFF2-40B4-BE49-F238E27FC236}">
-                <a16:creationId xmlns:a16="http://schemas.microsoft.com/office/drawing/2014/main" id="{A2EA0F22-1D31-4AA9-BD75-EB28E830F2A9}"/>
+                <a16:creationId xmlns:a16="http://schemas.microsoft.com/office/drawing/2014/main" xmlns="" id="{A2EA0F22-1D31-4AA9-BD75-EB28E830F2A9}"/>
               </a:ext>
             </a:extLst>
           </p:cNvPr>
@@ -1322,7 +1323,7 @@
           <p:cNvPr id="3" name="Vertikaler Textplatzhalter 2">
             <a:extLst>
               <a:ext uri="{FF2B5EF4-FFF2-40B4-BE49-F238E27FC236}">
-                <a16:creationId xmlns:a16="http://schemas.microsoft.com/office/drawing/2014/main" id="{5136D1C1-DB65-4FFF-97F4-2D8E97140238}"/>
+                <a16:creationId xmlns:a16="http://schemas.microsoft.com/office/drawing/2014/main" xmlns="" id="{5136D1C1-DB65-4FFF-97F4-2D8E97140238}"/>
               </a:ext>
             </a:extLst>
           </p:cNvPr>
@@ -1379,7 +1380,7 @@
           <p:cNvPr id="4" name="Datumsplatzhalter 3">
             <a:extLst>
               <a:ext uri="{FF2B5EF4-FFF2-40B4-BE49-F238E27FC236}">
-                <a16:creationId xmlns:a16="http://schemas.microsoft.com/office/drawing/2014/main" id="{E78CC44B-ACE4-4D51-85E1-B0688BE6DCE6}"/>
+                <a16:creationId xmlns:a16="http://schemas.microsoft.com/office/drawing/2014/main" xmlns="" id="{E78CC44B-ACE4-4D51-85E1-B0688BE6DCE6}"/>
               </a:ext>
             </a:extLst>
           </p:cNvPr>
@@ -1397,7 +1398,7 @@
           <a:p>
             <a:fld id="{AA216687-67D2-4799-83E7-848D0A3012AB}" type="datetime1">
               <a:rPr lang="de-DE" smtClean="0"/>
-              <a:t>02.07.2022</a:t>
+              <a:t>03.07.2022</a:t>
             </a:fld>
             <a:endParaRPr lang="de-DE"/>
           </a:p>
@@ -1408,7 +1409,7 @@
           <p:cNvPr id="5" name="Fußzeilenplatzhalter 4">
             <a:extLst>
               <a:ext uri="{FF2B5EF4-FFF2-40B4-BE49-F238E27FC236}">
-                <a16:creationId xmlns:a16="http://schemas.microsoft.com/office/drawing/2014/main" id="{BF3B2DA5-85FB-463C-8EE8-1C65BC73E2A4}"/>
+                <a16:creationId xmlns:a16="http://schemas.microsoft.com/office/drawing/2014/main" xmlns="" id="{BF3B2DA5-85FB-463C-8EE8-1C65BC73E2A4}"/>
               </a:ext>
             </a:extLst>
           </p:cNvPr>
@@ -1433,7 +1434,7 @@
           <p:cNvPr id="6" name="Foliennummernplatzhalter 5">
             <a:extLst>
               <a:ext uri="{FF2B5EF4-FFF2-40B4-BE49-F238E27FC236}">
-                <a16:creationId xmlns:a16="http://schemas.microsoft.com/office/drawing/2014/main" id="{F9F869DC-7A3E-42EE-B741-3426582D96BC}"/>
+                <a16:creationId xmlns:a16="http://schemas.microsoft.com/office/drawing/2014/main" xmlns="" id="{F9F869DC-7A3E-42EE-B741-3426582D96BC}"/>
               </a:ext>
             </a:extLst>
           </p:cNvPr>
@@ -1451,7 +1452,7 @@
           <a:p>
             <a:fld id="{DF58FA25-156B-428B-A75B-54B738B0BEF7}" type="slidenum">
               <a:rPr lang="de-DE" smtClean="0"/>
-              <a:t>‹Nr.›</a:t>
+              <a:t>‹#›</a:t>
             </a:fld>
             <a:endParaRPr lang="de-DE"/>
           </a:p>
@@ -1492,7 +1493,7 @@
           <p:cNvPr id="2" name="Vertikaler Titel 1">
             <a:extLst>
               <a:ext uri="{FF2B5EF4-FFF2-40B4-BE49-F238E27FC236}">
-                <a16:creationId xmlns:a16="http://schemas.microsoft.com/office/drawing/2014/main" id="{9515E025-27CA-43FD-AC27-E7A9DA4A216B}"/>
+                <a16:creationId xmlns:a16="http://schemas.microsoft.com/office/drawing/2014/main" xmlns="" id="{9515E025-27CA-43FD-AC27-E7A9DA4A216B}"/>
               </a:ext>
             </a:extLst>
           </p:cNvPr>
@@ -1525,7 +1526,7 @@
           <p:cNvPr id="3" name="Vertikaler Textplatzhalter 2">
             <a:extLst>
               <a:ext uri="{FF2B5EF4-FFF2-40B4-BE49-F238E27FC236}">
-                <a16:creationId xmlns:a16="http://schemas.microsoft.com/office/drawing/2014/main" id="{DBB4A698-5133-4C8C-AEE1-C10A187D7B7D}"/>
+                <a16:creationId xmlns:a16="http://schemas.microsoft.com/office/drawing/2014/main" xmlns="" id="{DBB4A698-5133-4C8C-AEE1-C10A187D7B7D}"/>
               </a:ext>
             </a:extLst>
           </p:cNvPr>
@@ -1587,7 +1588,7 @@
           <p:cNvPr id="4" name="Datumsplatzhalter 3">
             <a:extLst>
               <a:ext uri="{FF2B5EF4-FFF2-40B4-BE49-F238E27FC236}">
-                <a16:creationId xmlns:a16="http://schemas.microsoft.com/office/drawing/2014/main" id="{28EACA0A-6819-4C12-840E-422A50CDFF0D}"/>
+                <a16:creationId xmlns:a16="http://schemas.microsoft.com/office/drawing/2014/main" xmlns="" id="{28EACA0A-6819-4C12-840E-422A50CDFF0D}"/>
               </a:ext>
             </a:extLst>
           </p:cNvPr>
@@ -1605,7 +1606,7 @@
           <a:p>
             <a:fld id="{C9981B56-1CC0-446B-992A-C3319D92BE7F}" type="datetime1">
               <a:rPr lang="de-DE" smtClean="0"/>
-              <a:t>02.07.2022</a:t>
+              <a:t>03.07.2022</a:t>
             </a:fld>
             <a:endParaRPr lang="de-DE"/>
           </a:p>
@@ -1616,7 +1617,7 @@
           <p:cNvPr id="5" name="Fußzeilenplatzhalter 4">
             <a:extLst>
               <a:ext uri="{FF2B5EF4-FFF2-40B4-BE49-F238E27FC236}">
-                <a16:creationId xmlns:a16="http://schemas.microsoft.com/office/drawing/2014/main" id="{B9EC4817-8859-44DB-BAF7-9F7625EBD8EB}"/>
+                <a16:creationId xmlns:a16="http://schemas.microsoft.com/office/drawing/2014/main" xmlns="" id="{B9EC4817-8859-44DB-BAF7-9F7625EBD8EB}"/>
               </a:ext>
             </a:extLst>
           </p:cNvPr>
@@ -1641,7 +1642,7 @@
           <p:cNvPr id="6" name="Foliennummernplatzhalter 5">
             <a:extLst>
               <a:ext uri="{FF2B5EF4-FFF2-40B4-BE49-F238E27FC236}">
-                <a16:creationId xmlns:a16="http://schemas.microsoft.com/office/drawing/2014/main" id="{1AF6ACDB-ECE6-470F-BD49-F9C1833C563A}"/>
+                <a16:creationId xmlns:a16="http://schemas.microsoft.com/office/drawing/2014/main" xmlns="" id="{1AF6ACDB-ECE6-470F-BD49-F9C1833C563A}"/>
               </a:ext>
             </a:extLst>
           </p:cNvPr>
@@ -1659,7 +1660,7 @@
           <a:p>
             <a:fld id="{DF58FA25-156B-428B-A75B-54B738B0BEF7}" type="slidenum">
               <a:rPr lang="de-DE" smtClean="0"/>
-              <a:t>‹Nr.›</a:t>
+              <a:t>‹#›</a:t>
             </a:fld>
             <a:endParaRPr lang="de-DE"/>
           </a:p>
@@ -1700,7 +1701,7 @@
           <p:cNvPr id="2" name="Titel 1">
             <a:extLst>
               <a:ext uri="{FF2B5EF4-FFF2-40B4-BE49-F238E27FC236}">
-                <a16:creationId xmlns:a16="http://schemas.microsoft.com/office/drawing/2014/main" id="{AAFCD4B1-86FE-47B2-A759-87BECC604986}"/>
+                <a16:creationId xmlns:a16="http://schemas.microsoft.com/office/drawing/2014/main" xmlns="" id="{AAFCD4B1-86FE-47B2-A759-87BECC604986}"/>
               </a:ext>
             </a:extLst>
           </p:cNvPr>
@@ -1728,7 +1729,7 @@
           <p:cNvPr id="3" name="Inhaltsplatzhalter 2">
             <a:extLst>
               <a:ext uri="{FF2B5EF4-FFF2-40B4-BE49-F238E27FC236}">
-                <a16:creationId xmlns:a16="http://schemas.microsoft.com/office/drawing/2014/main" id="{AB838476-875C-4AC6-A6CE-F3FC796AC692}"/>
+                <a16:creationId xmlns:a16="http://schemas.microsoft.com/office/drawing/2014/main" xmlns="" id="{AB838476-875C-4AC6-A6CE-F3FC796AC692}"/>
               </a:ext>
             </a:extLst>
           </p:cNvPr>
@@ -1785,7 +1786,7 @@
           <p:cNvPr id="4" name="Datumsplatzhalter 3">
             <a:extLst>
               <a:ext uri="{FF2B5EF4-FFF2-40B4-BE49-F238E27FC236}">
-                <a16:creationId xmlns:a16="http://schemas.microsoft.com/office/drawing/2014/main" id="{B1E774BC-E251-44C1-B5AD-39CA29F7609C}"/>
+                <a16:creationId xmlns:a16="http://schemas.microsoft.com/office/drawing/2014/main" xmlns="" id="{B1E774BC-E251-44C1-B5AD-39CA29F7609C}"/>
               </a:ext>
             </a:extLst>
           </p:cNvPr>
@@ -1803,7 +1804,7 @@
           <a:p>
             <a:fld id="{DA0D6257-76B1-4D99-928B-8118749BCCE4}" type="datetime1">
               <a:rPr lang="de-DE" smtClean="0"/>
-              <a:t>02.07.2022</a:t>
+              <a:t>03.07.2022</a:t>
             </a:fld>
             <a:endParaRPr lang="de-DE"/>
           </a:p>
@@ -1814,7 +1815,7 @@
           <p:cNvPr id="5" name="Fußzeilenplatzhalter 4">
             <a:extLst>
               <a:ext uri="{FF2B5EF4-FFF2-40B4-BE49-F238E27FC236}">
-                <a16:creationId xmlns:a16="http://schemas.microsoft.com/office/drawing/2014/main" id="{15761258-9BE6-4449-BC61-F8830D04118E}"/>
+                <a16:creationId xmlns:a16="http://schemas.microsoft.com/office/drawing/2014/main" xmlns="" id="{15761258-9BE6-4449-BC61-F8830D04118E}"/>
               </a:ext>
             </a:extLst>
           </p:cNvPr>
@@ -1839,7 +1840,7 @@
           <p:cNvPr id="6" name="Foliennummernplatzhalter 5">
             <a:extLst>
               <a:ext uri="{FF2B5EF4-FFF2-40B4-BE49-F238E27FC236}">
-                <a16:creationId xmlns:a16="http://schemas.microsoft.com/office/drawing/2014/main" id="{031D3F51-9B2D-48E5-87C3-DCAB964C6E22}"/>
+                <a16:creationId xmlns:a16="http://schemas.microsoft.com/office/drawing/2014/main" xmlns="" id="{031D3F51-9B2D-48E5-87C3-DCAB964C6E22}"/>
               </a:ext>
             </a:extLst>
           </p:cNvPr>
@@ -1857,7 +1858,7 @@
           <a:p>
             <a:fld id="{DF58FA25-156B-428B-A75B-54B738B0BEF7}" type="slidenum">
               <a:rPr lang="de-DE" smtClean="0"/>
-              <a:t>‹Nr.›</a:t>
+              <a:t>‹#›</a:t>
             </a:fld>
             <a:endParaRPr lang="de-DE"/>
           </a:p>
@@ -1898,7 +1899,7 @@
           <p:cNvPr id="2" name="Titel 1">
             <a:extLst>
               <a:ext uri="{FF2B5EF4-FFF2-40B4-BE49-F238E27FC236}">
-                <a16:creationId xmlns:a16="http://schemas.microsoft.com/office/drawing/2014/main" id="{49E51F41-61B0-451E-960A-6C32E83F6C75}"/>
+                <a16:creationId xmlns:a16="http://schemas.microsoft.com/office/drawing/2014/main" xmlns="" id="{49E51F41-61B0-451E-960A-6C32E83F6C75}"/>
               </a:ext>
             </a:extLst>
           </p:cNvPr>
@@ -1935,7 +1936,7 @@
           <p:cNvPr id="3" name="Textplatzhalter 2">
             <a:extLst>
               <a:ext uri="{FF2B5EF4-FFF2-40B4-BE49-F238E27FC236}">
-                <a16:creationId xmlns:a16="http://schemas.microsoft.com/office/drawing/2014/main" id="{AFB83402-A7DA-42CA-AABA-970A5B2B1FDE}"/>
+                <a16:creationId xmlns:a16="http://schemas.microsoft.com/office/drawing/2014/main" xmlns="" id="{AFB83402-A7DA-42CA-AABA-970A5B2B1FDE}"/>
               </a:ext>
             </a:extLst>
           </p:cNvPr>
@@ -2060,7 +2061,7 @@
           <p:cNvPr id="4" name="Datumsplatzhalter 3">
             <a:extLst>
               <a:ext uri="{FF2B5EF4-FFF2-40B4-BE49-F238E27FC236}">
-                <a16:creationId xmlns:a16="http://schemas.microsoft.com/office/drawing/2014/main" id="{5643E0C1-AF3B-41F0-86E4-B43FD9DF46DE}"/>
+                <a16:creationId xmlns:a16="http://schemas.microsoft.com/office/drawing/2014/main" xmlns="" id="{5643E0C1-AF3B-41F0-86E4-B43FD9DF46DE}"/>
               </a:ext>
             </a:extLst>
           </p:cNvPr>
@@ -2078,7 +2079,7 @@
           <a:p>
             <a:fld id="{26E24262-B3BF-4B02-8D39-940B2DE5F8CB}" type="datetime1">
               <a:rPr lang="de-DE" smtClean="0"/>
-              <a:t>02.07.2022</a:t>
+              <a:t>03.07.2022</a:t>
             </a:fld>
             <a:endParaRPr lang="de-DE"/>
           </a:p>
@@ -2089,7 +2090,7 @@
           <p:cNvPr id="5" name="Fußzeilenplatzhalter 4">
             <a:extLst>
               <a:ext uri="{FF2B5EF4-FFF2-40B4-BE49-F238E27FC236}">
-                <a16:creationId xmlns:a16="http://schemas.microsoft.com/office/drawing/2014/main" id="{D508BE33-C6D1-4B66-9653-ECCC2CB381BF}"/>
+                <a16:creationId xmlns:a16="http://schemas.microsoft.com/office/drawing/2014/main" xmlns="" id="{D508BE33-C6D1-4B66-9653-ECCC2CB381BF}"/>
               </a:ext>
             </a:extLst>
           </p:cNvPr>
@@ -2114,7 +2115,7 @@
           <p:cNvPr id="6" name="Foliennummernplatzhalter 5">
             <a:extLst>
               <a:ext uri="{FF2B5EF4-FFF2-40B4-BE49-F238E27FC236}">
-                <a16:creationId xmlns:a16="http://schemas.microsoft.com/office/drawing/2014/main" id="{4CE33A14-E48E-4992-BA7D-CB2773A3BE9F}"/>
+                <a16:creationId xmlns:a16="http://schemas.microsoft.com/office/drawing/2014/main" xmlns="" id="{4CE33A14-E48E-4992-BA7D-CB2773A3BE9F}"/>
               </a:ext>
             </a:extLst>
           </p:cNvPr>
@@ -2132,7 +2133,7 @@
           <a:p>
             <a:fld id="{DF58FA25-156B-428B-A75B-54B738B0BEF7}" type="slidenum">
               <a:rPr lang="de-DE" smtClean="0"/>
-              <a:t>‹Nr.›</a:t>
+              <a:t>‹#›</a:t>
             </a:fld>
             <a:endParaRPr lang="de-DE"/>
           </a:p>
@@ -2173,7 +2174,7 @@
           <p:cNvPr id="2" name="Titel 1">
             <a:extLst>
               <a:ext uri="{FF2B5EF4-FFF2-40B4-BE49-F238E27FC236}">
-                <a16:creationId xmlns:a16="http://schemas.microsoft.com/office/drawing/2014/main" id="{D7DBBDC9-42AA-474B-B6B3-3C890A6135E2}"/>
+                <a16:creationId xmlns:a16="http://schemas.microsoft.com/office/drawing/2014/main" xmlns="" id="{D7DBBDC9-42AA-474B-B6B3-3C890A6135E2}"/>
               </a:ext>
             </a:extLst>
           </p:cNvPr>
@@ -2201,7 +2202,7 @@
           <p:cNvPr id="3" name="Inhaltsplatzhalter 2">
             <a:extLst>
               <a:ext uri="{FF2B5EF4-FFF2-40B4-BE49-F238E27FC236}">
-                <a16:creationId xmlns:a16="http://schemas.microsoft.com/office/drawing/2014/main" id="{EF08E45F-643F-4A9C-88B1-3752D2C9603A}"/>
+                <a16:creationId xmlns:a16="http://schemas.microsoft.com/office/drawing/2014/main" xmlns="" id="{EF08E45F-643F-4A9C-88B1-3752D2C9603A}"/>
               </a:ext>
             </a:extLst>
           </p:cNvPr>
@@ -2263,7 +2264,7 @@
           <p:cNvPr id="4" name="Inhaltsplatzhalter 3">
             <a:extLst>
               <a:ext uri="{FF2B5EF4-FFF2-40B4-BE49-F238E27FC236}">
-                <a16:creationId xmlns:a16="http://schemas.microsoft.com/office/drawing/2014/main" id="{E6469A33-F7F7-49D2-B900-C0E14888DD8E}"/>
+                <a16:creationId xmlns:a16="http://schemas.microsoft.com/office/drawing/2014/main" xmlns="" id="{E6469A33-F7F7-49D2-B900-C0E14888DD8E}"/>
               </a:ext>
             </a:extLst>
           </p:cNvPr>
@@ -2325,7 +2326,7 @@
           <p:cNvPr id="5" name="Datumsplatzhalter 4">
             <a:extLst>
               <a:ext uri="{FF2B5EF4-FFF2-40B4-BE49-F238E27FC236}">
-                <a16:creationId xmlns:a16="http://schemas.microsoft.com/office/drawing/2014/main" id="{1748587A-73B9-470E-B66E-A0FCE3015F3F}"/>
+                <a16:creationId xmlns:a16="http://schemas.microsoft.com/office/drawing/2014/main" xmlns="" id="{1748587A-73B9-470E-B66E-A0FCE3015F3F}"/>
               </a:ext>
             </a:extLst>
           </p:cNvPr>
@@ -2343,7 +2344,7 @@
           <a:p>
             <a:fld id="{F08DB7BF-EDE1-461B-953F-946DC4A14CE4}" type="datetime1">
               <a:rPr lang="de-DE" smtClean="0"/>
-              <a:t>02.07.2022</a:t>
+              <a:t>03.07.2022</a:t>
             </a:fld>
             <a:endParaRPr lang="de-DE"/>
           </a:p>
@@ -2354,7 +2355,7 @@
           <p:cNvPr id="6" name="Fußzeilenplatzhalter 5">
             <a:extLst>
               <a:ext uri="{FF2B5EF4-FFF2-40B4-BE49-F238E27FC236}">
-                <a16:creationId xmlns:a16="http://schemas.microsoft.com/office/drawing/2014/main" id="{E0E94689-19F0-4FA4-BA5A-85EBDEE1781C}"/>
+                <a16:creationId xmlns:a16="http://schemas.microsoft.com/office/drawing/2014/main" xmlns="" id="{E0E94689-19F0-4FA4-BA5A-85EBDEE1781C}"/>
               </a:ext>
             </a:extLst>
           </p:cNvPr>
@@ -2379,7 +2380,7 @@
           <p:cNvPr id="7" name="Foliennummernplatzhalter 6">
             <a:extLst>
               <a:ext uri="{FF2B5EF4-FFF2-40B4-BE49-F238E27FC236}">
-                <a16:creationId xmlns:a16="http://schemas.microsoft.com/office/drawing/2014/main" id="{641C32F0-AF46-4B77-B5CB-C27DC36CC5F9}"/>
+                <a16:creationId xmlns:a16="http://schemas.microsoft.com/office/drawing/2014/main" xmlns="" id="{641C32F0-AF46-4B77-B5CB-C27DC36CC5F9}"/>
               </a:ext>
             </a:extLst>
           </p:cNvPr>
@@ -2397,7 +2398,7 @@
           <a:p>
             <a:fld id="{DF58FA25-156B-428B-A75B-54B738B0BEF7}" type="slidenum">
               <a:rPr lang="de-DE" smtClean="0"/>
-              <a:t>‹Nr.›</a:t>
+              <a:t>‹#›</a:t>
             </a:fld>
             <a:endParaRPr lang="de-DE"/>
           </a:p>
@@ -2438,7 +2439,7 @@
           <p:cNvPr id="2" name="Titel 1">
             <a:extLst>
               <a:ext uri="{FF2B5EF4-FFF2-40B4-BE49-F238E27FC236}">
-                <a16:creationId xmlns:a16="http://schemas.microsoft.com/office/drawing/2014/main" id="{36F698C0-4DD3-4DA0-A09E-F4570D7CCB71}"/>
+                <a16:creationId xmlns:a16="http://schemas.microsoft.com/office/drawing/2014/main" xmlns="" id="{36F698C0-4DD3-4DA0-A09E-F4570D7CCB71}"/>
               </a:ext>
             </a:extLst>
           </p:cNvPr>
@@ -2471,7 +2472,7 @@
           <p:cNvPr id="3" name="Textplatzhalter 2">
             <a:extLst>
               <a:ext uri="{FF2B5EF4-FFF2-40B4-BE49-F238E27FC236}">
-                <a16:creationId xmlns:a16="http://schemas.microsoft.com/office/drawing/2014/main" id="{6B7B2AAD-95B1-469D-B743-AA699451CE0D}"/>
+                <a16:creationId xmlns:a16="http://schemas.microsoft.com/office/drawing/2014/main" xmlns="" id="{6B7B2AAD-95B1-469D-B743-AA699451CE0D}"/>
               </a:ext>
             </a:extLst>
           </p:cNvPr>
@@ -2542,7 +2543,7 @@
           <p:cNvPr id="4" name="Inhaltsplatzhalter 3">
             <a:extLst>
               <a:ext uri="{FF2B5EF4-FFF2-40B4-BE49-F238E27FC236}">
-                <a16:creationId xmlns:a16="http://schemas.microsoft.com/office/drawing/2014/main" id="{9F747742-71CB-4D7D-98A0-D773250A7C75}"/>
+                <a16:creationId xmlns:a16="http://schemas.microsoft.com/office/drawing/2014/main" xmlns="" id="{9F747742-71CB-4D7D-98A0-D773250A7C75}"/>
               </a:ext>
             </a:extLst>
           </p:cNvPr>
@@ -2604,7 +2605,7 @@
           <p:cNvPr id="5" name="Textplatzhalter 4">
             <a:extLst>
               <a:ext uri="{FF2B5EF4-FFF2-40B4-BE49-F238E27FC236}">
-                <a16:creationId xmlns:a16="http://schemas.microsoft.com/office/drawing/2014/main" id="{F467DBD8-BBDC-4991-9253-900ED8E5C68A}"/>
+                <a16:creationId xmlns:a16="http://schemas.microsoft.com/office/drawing/2014/main" xmlns="" id="{F467DBD8-BBDC-4991-9253-900ED8E5C68A}"/>
               </a:ext>
             </a:extLst>
           </p:cNvPr>
@@ -2675,7 +2676,7 @@
           <p:cNvPr id="6" name="Inhaltsplatzhalter 5">
             <a:extLst>
               <a:ext uri="{FF2B5EF4-FFF2-40B4-BE49-F238E27FC236}">
-                <a16:creationId xmlns:a16="http://schemas.microsoft.com/office/drawing/2014/main" id="{ECA8D78F-6AB1-47EA-921C-C4BB11427A0B}"/>
+                <a16:creationId xmlns:a16="http://schemas.microsoft.com/office/drawing/2014/main" xmlns="" id="{ECA8D78F-6AB1-47EA-921C-C4BB11427A0B}"/>
               </a:ext>
             </a:extLst>
           </p:cNvPr>
@@ -2737,7 +2738,7 @@
           <p:cNvPr id="7" name="Datumsplatzhalter 6">
             <a:extLst>
               <a:ext uri="{FF2B5EF4-FFF2-40B4-BE49-F238E27FC236}">
-                <a16:creationId xmlns:a16="http://schemas.microsoft.com/office/drawing/2014/main" id="{24BF8C95-FA9F-4F10-9505-77E26F4E45DD}"/>
+                <a16:creationId xmlns:a16="http://schemas.microsoft.com/office/drawing/2014/main" xmlns="" id="{24BF8C95-FA9F-4F10-9505-77E26F4E45DD}"/>
               </a:ext>
             </a:extLst>
           </p:cNvPr>
@@ -2755,7 +2756,7 @@
           <a:p>
             <a:fld id="{F6672DED-E9DC-4DB0-8B7D-C6668A7AD1BB}" type="datetime1">
               <a:rPr lang="de-DE" smtClean="0"/>
-              <a:t>02.07.2022</a:t>
+              <a:t>03.07.2022</a:t>
             </a:fld>
             <a:endParaRPr lang="de-DE"/>
           </a:p>
@@ -2766,7 +2767,7 @@
           <p:cNvPr id="8" name="Fußzeilenplatzhalter 7">
             <a:extLst>
               <a:ext uri="{FF2B5EF4-FFF2-40B4-BE49-F238E27FC236}">
-                <a16:creationId xmlns:a16="http://schemas.microsoft.com/office/drawing/2014/main" id="{D1613883-66DC-496D-A6AB-69332EA2384C}"/>
+                <a16:creationId xmlns:a16="http://schemas.microsoft.com/office/drawing/2014/main" xmlns="" id="{D1613883-66DC-496D-A6AB-69332EA2384C}"/>
               </a:ext>
             </a:extLst>
           </p:cNvPr>
@@ -2791,7 +2792,7 @@
           <p:cNvPr id="9" name="Foliennummernplatzhalter 8">
             <a:extLst>
               <a:ext uri="{FF2B5EF4-FFF2-40B4-BE49-F238E27FC236}">
-                <a16:creationId xmlns:a16="http://schemas.microsoft.com/office/drawing/2014/main" id="{4263F17A-12E9-4863-99B8-AD8698361FF0}"/>
+                <a16:creationId xmlns:a16="http://schemas.microsoft.com/office/drawing/2014/main" xmlns="" id="{4263F17A-12E9-4863-99B8-AD8698361FF0}"/>
               </a:ext>
             </a:extLst>
           </p:cNvPr>
@@ -2809,7 +2810,7 @@
           <a:p>
             <a:fld id="{DF58FA25-156B-428B-A75B-54B738B0BEF7}" type="slidenum">
               <a:rPr lang="de-DE" smtClean="0"/>
-              <a:t>‹Nr.›</a:t>
+              <a:t>‹#›</a:t>
             </a:fld>
             <a:endParaRPr lang="de-DE"/>
           </a:p>
@@ -2850,7 +2851,7 @@
           <p:cNvPr id="2" name="Titel 1">
             <a:extLst>
               <a:ext uri="{FF2B5EF4-FFF2-40B4-BE49-F238E27FC236}">
-                <a16:creationId xmlns:a16="http://schemas.microsoft.com/office/drawing/2014/main" id="{61037CA4-FD16-44CA-83E3-9F65E55005FD}"/>
+                <a16:creationId xmlns:a16="http://schemas.microsoft.com/office/drawing/2014/main" xmlns="" id="{61037CA4-FD16-44CA-83E3-9F65E55005FD}"/>
               </a:ext>
             </a:extLst>
           </p:cNvPr>
@@ -2878,7 +2879,7 @@
           <p:cNvPr id="3" name="Datumsplatzhalter 2">
             <a:extLst>
               <a:ext uri="{FF2B5EF4-FFF2-40B4-BE49-F238E27FC236}">
-                <a16:creationId xmlns:a16="http://schemas.microsoft.com/office/drawing/2014/main" id="{1E855BCA-26AF-4EB0-86F8-2EAE94C77307}"/>
+                <a16:creationId xmlns:a16="http://schemas.microsoft.com/office/drawing/2014/main" xmlns="" id="{1E855BCA-26AF-4EB0-86F8-2EAE94C77307}"/>
               </a:ext>
             </a:extLst>
           </p:cNvPr>
@@ -2896,7 +2897,7 @@
           <a:p>
             <a:fld id="{151529D1-9679-47C1-AB78-8399A20BA7A8}" type="datetime1">
               <a:rPr lang="de-DE" smtClean="0"/>
-              <a:t>02.07.2022</a:t>
+              <a:t>03.07.2022</a:t>
             </a:fld>
             <a:endParaRPr lang="de-DE"/>
           </a:p>
@@ -2907,7 +2908,7 @@
           <p:cNvPr id="4" name="Fußzeilenplatzhalter 3">
             <a:extLst>
               <a:ext uri="{FF2B5EF4-FFF2-40B4-BE49-F238E27FC236}">
-                <a16:creationId xmlns:a16="http://schemas.microsoft.com/office/drawing/2014/main" id="{E745CC5C-2A0B-4FCE-872A-460FACF081B2}"/>
+                <a16:creationId xmlns:a16="http://schemas.microsoft.com/office/drawing/2014/main" xmlns="" id="{E745CC5C-2A0B-4FCE-872A-460FACF081B2}"/>
               </a:ext>
             </a:extLst>
           </p:cNvPr>
@@ -2932,7 +2933,7 @@
           <p:cNvPr id="5" name="Foliennummernplatzhalter 4">
             <a:extLst>
               <a:ext uri="{FF2B5EF4-FFF2-40B4-BE49-F238E27FC236}">
-                <a16:creationId xmlns:a16="http://schemas.microsoft.com/office/drawing/2014/main" id="{4B6EC8E2-3787-4E12-8A21-EB50393F15B1}"/>
+                <a16:creationId xmlns:a16="http://schemas.microsoft.com/office/drawing/2014/main" xmlns="" id="{4B6EC8E2-3787-4E12-8A21-EB50393F15B1}"/>
               </a:ext>
             </a:extLst>
           </p:cNvPr>
@@ -2950,7 +2951,7 @@
           <a:p>
             <a:fld id="{DF58FA25-156B-428B-A75B-54B738B0BEF7}" type="slidenum">
               <a:rPr lang="de-DE" smtClean="0"/>
-              <a:t>‹Nr.›</a:t>
+              <a:t>‹#›</a:t>
             </a:fld>
             <a:endParaRPr lang="de-DE"/>
           </a:p>
@@ -2991,7 +2992,7 @@
           <p:cNvPr id="2" name="Datumsplatzhalter 1">
             <a:extLst>
               <a:ext uri="{FF2B5EF4-FFF2-40B4-BE49-F238E27FC236}">
-                <a16:creationId xmlns:a16="http://schemas.microsoft.com/office/drawing/2014/main" id="{472E1E55-5540-483A-938C-ECD6FE033A6B}"/>
+                <a16:creationId xmlns:a16="http://schemas.microsoft.com/office/drawing/2014/main" xmlns="" id="{472E1E55-5540-483A-938C-ECD6FE033A6B}"/>
               </a:ext>
             </a:extLst>
           </p:cNvPr>
@@ -3009,7 +3010,7 @@
           <a:p>
             <a:fld id="{B0C8CB00-37F1-459E-B13E-53FD80F908E4}" type="datetime1">
               <a:rPr lang="de-DE" smtClean="0"/>
-              <a:t>02.07.2022</a:t>
+              <a:t>03.07.2022</a:t>
             </a:fld>
             <a:endParaRPr lang="de-DE"/>
           </a:p>
@@ -3020,7 +3021,7 @@
           <p:cNvPr id="3" name="Fußzeilenplatzhalter 2">
             <a:extLst>
               <a:ext uri="{FF2B5EF4-FFF2-40B4-BE49-F238E27FC236}">
-                <a16:creationId xmlns:a16="http://schemas.microsoft.com/office/drawing/2014/main" id="{A2374A5B-5D91-4425-90EB-883AD09250A8}"/>
+                <a16:creationId xmlns:a16="http://schemas.microsoft.com/office/drawing/2014/main" xmlns="" id="{A2374A5B-5D91-4425-90EB-883AD09250A8}"/>
               </a:ext>
             </a:extLst>
           </p:cNvPr>
@@ -3045,7 +3046,7 @@
           <p:cNvPr id="4" name="Foliennummernplatzhalter 3">
             <a:extLst>
               <a:ext uri="{FF2B5EF4-FFF2-40B4-BE49-F238E27FC236}">
-                <a16:creationId xmlns:a16="http://schemas.microsoft.com/office/drawing/2014/main" id="{1813B27D-8AC3-4D1A-8989-DDA1070C5FA9}"/>
+                <a16:creationId xmlns:a16="http://schemas.microsoft.com/office/drawing/2014/main" xmlns="" id="{1813B27D-8AC3-4D1A-8989-DDA1070C5FA9}"/>
               </a:ext>
             </a:extLst>
           </p:cNvPr>
@@ -3063,7 +3064,7 @@
           <a:p>
             <a:fld id="{DF58FA25-156B-428B-A75B-54B738B0BEF7}" type="slidenum">
               <a:rPr lang="de-DE" smtClean="0"/>
-              <a:t>‹Nr.›</a:t>
+              <a:t>‹#›</a:t>
             </a:fld>
             <a:endParaRPr lang="de-DE"/>
           </a:p>
@@ -3104,7 +3105,7 @@
           <p:cNvPr id="2" name="Titel 1">
             <a:extLst>
               <a:ext uri="{FF2B5EF4-FFF2-40B4-BE49-F238E27FC236}">
-                <a16:creationId xmlns:a16="http://schemas.microsoft.com/office/drawing/2014/main" id="{BB6FE1C0-6DAA-4195-86AC-E81B73B39FD4}"/>
+                <a16:creationId xmlns:a16="http://schemas.microsoft.com/office/drawing/2014/main" xmlns="" id="{BB6FE1C0-6DAA-4195-86AC-E81B73B39FD4}"/>
               </a:ext>
             </a:extLst>
           </p:cNvPr>
@@ -3141,7 +3142,7 @@
           <p:cNvPr id="3" name="Inhaltsplatzhalter 2">
             <a:extLst>
               <a:ext uri="{FF2B5EF4-FFF2-40B4-BE49-F238E27FC236}">
-                <a16:creationId xmlns:a16="http://schemas.microsoft.com/office/drawing/2014/main" id="{D5901990-3BC2-4BFA-87A6-564A82D80A58}"/>
+                <a16:creationId xmlns:a16="http://schemas.microsoft.com/office/drawing/2014/main" xmlns="" id="{D5901990-3BC2-4BFA-87A6-564A82D80A58}"/>
               </a:ext>
             </a:extLst>
           </p:cNvPr>
@@ -3231,7 +3232,7 @@
           <p:cNvPr id="4" name="Textplatzhalter 3">
             <a:extLst>
               <a:ext uri="{FF2B5EF4-FFF2-40B4-BE49-F238E27FC236}">
-                <a16:creationId xmlns:a16="http://schemas.microsoft.com/office/drawing/2014/main" id="{3C854EBF-DE89-4702-A606-DF4841C7642F}"/>
+                <a16:creationId xmlns:a16="http://schemas.microsoft.com/office/drawing/2014/main" xmlns="" id="{3C854EBF-DE89-4702-A606-DF4841C7642F}"/>
               </a:ext>
             </a:extLst>
           </p:cNvPr>
@@ -3302,7 +3303,7 @@
           <p:cNvPr id="5" name="Datumsplatzhalter 4">
             <a:extLst>
               <a:ext uri="{FF2B5EF4-FFF2-40B4-BE49-F238E27FC236}">
-                <a16:creationId xmlns:a16="http://schemas.microsoft.com/office/drawing/2014/main" id="{7B85E189-8F72-4095-94F7-50B979C11103}"/>
+                <a16:creationId xmlns:a16="http://schemas.microsoft.com/office/drawing/2014/main" xmlns="" id="{7B85E189-8F72-4095-94F7-50B979C11103}"/>
               </a:ext>
             </a:extLst>
           </p:cNvPr>
@@ -3320,7 +3321,7 @@
           <a:p>
             <a:fld id="{962656E5-2165-46AD-8872-F250B3890984}" type="datetime1">
               <a:rPr lang="de-DE" smtClean="0"/>
-              <a:t>02.07.2022</a:t>
+              <a:t>03.07.2022</a:t>
             </a:fld>
             <a:endParaRPr lang="de-DE"/>
           </a:p>
@@ -3331,7 +3332,7 @@
           <p:cNvPr id="6" name="Fußzeilenplatzhalter 5">
             <a:extLst>
               <a:ext uri="{FF2B5EF4-FFF2-40B4-BE49-F238E27FC236}">
-                <a16:creationId xmlns:a16="http://schemas.microsoft.com/office/drawing/2014/main" id="{46DB5BFF-199A-4111-A41D-2FA661F084AF}"/>
+                <a16:creationId xmlns:a16="http://schemas.microsoft.com/office/drawing/2014/main" xmlns="" id="{46DB5BFF-199A-4111-A41D-2FA661F084AF}"/>
               </a:ext>
             </a:extLst>
           </p:cNvPr>
@@ -3356,7 +3357,7 @@
           <p:cNvPr id="7" name="Foliennummernplatzhalter 6">
             <a:extLst>
               <a:ext uri="{FF2B5EF4-FFF2-40B4-BE49-F238E27FC236}">
-                <a16:creationId xmlns:a16="http://schemas.microsoft.com/office/drawing/2014/main" id="{877741B2-26DB-4168-BDF3-ABBFC73DB850}"/>
+                <a16:creationId xmlns:a16="http://schemas.microsoft.com/office/drawing/2014/main" xmlns="" id="{877741B2-26DB-4168-BDF3-ABBFC73DB850}"/>
               </a:ext>
             </a:extLst>
           </p:cNvPr>
@@ -3374,7 +3375,7 @@
           <a:p>
             <a:fld id="{DF58FA25-156B-428B-A75B-54B738B0BEF7}" type="slidenum">
               <a:rPr lang="de-DE" smtClean="0"/>
-              <a:t>‹Nr.›</a:t>
+              <a:t>‹#›</a:t>
             </a:fld>
             <a:endParaRPr lang="de-DE"/>
           </a:p>
@@ -3415,7 +3416,7 @@
           <p:cNvPr id="2" name="Titel 1">
             <a:extLst>
               <a:ext uri="{FF2B5EF4-FFF2-40B4-BE49-F238E27FC236}">
-                <a16:creationId xmlns:a16="http://schemas.microsoft.com/office/drawing/2014/main" id="{73B18BB1-316D-4570-8A70-DD5CBCBC9B2B}"/>
+                <a16:creationId xmlns:a16="http://schemas.microsoft.com/office/drawing/2014/main" xmlns="" id="{73B18BB1-316D-4570-8A70-DD5CBCBC9B2B}"/>
               </a:ext>
             </a:extLst>
           </p:cNvPr>
@@ -3452,7 +3453,7 @@
           <p:cNvPr id="3" name="Bildplatzhalter 2">
             <a:extLst>
               <a:ext uri="{FF2B5EF4-FFF2-40B4-BE49-F238E27FC236}">
-                <a16:creationId xmlns:a16="http://schemas.microsoft.com/office/drawing/2014/main" id="{539063D0-9ACD-4E08-9218-F923BB042C8C}"/>
+                <a16:creationId xmlns:a16="http://schemas.microsoft.com/office/drawing/2014/main" xmlns="" id="{539063D0-9ACD-4E08-9218-F923BB042C8C}"/>
               </a:ext>
             </a:extLst>
           </p:cNvPr>
@@ -3519,7 +3520,7 @@
           <p:cNvPr id="4" name="Textplatzhalter 3">
             <a:extLst>
               <a:ext uri="{FF2B5EF4-FFF2-40B4-BE49-F238E27FC236}">
-                <a16:creationId xmlns:a16="http://schemas.microsoft.com/office/drawing/2014/main" id="{44BB36CC-7A6E-42B0-8177-3E0A40867205}"/>
+                <a16:creationId xmlns:a16="http://schemas.microsoft.com/office/drawing/2014/main" xmlns="" id="{44BB36CC-7A6E-42B0-8177-3E0A40867205}"/>
               </a:ext>
             </a:extLst>
           </p:cNvPr>
@@ -3590,7 +3591,7 @@
           <p:cNvPr id="5" name="Datumsplatzhalter 4">
             <a:extLst>
               <a:ext uri="{FF2B5EF4-FFF2-40B4-BE49-F238E27FC236}">
-                <a16:creationId xmlns:a16="http://schemas.microsoft.com/office/drawing/2014/main" id="{69BF362F-EBFB-4B35-AD09-B26DBEBF6EAD}"/>
+                <a16:creationId xmlns:a16="http://schemas.microsoft.com/office/drawing/2014/main" xmlns="" id="{69BF362F-EBFB-4B35-AD09-B26DBEBF6EAD}"/>
               </a:ext>
             </a:extLst>
           </p:cNvPr>
@@ -3608,7 +3609,7 @@
           <a:p>
             <a:fld id="{7F06984E-DD2E-4AE1-9495-8CCA503E945E}" type="datetime1">
               <a:rPr lang="de-DE" smtClean="0"/>
-              <a:t>02.07.2022</a:t>
+              <a:t>03.07.2022</a:t>
             </a:fld>
             <a:endParaRPr lang="de-DE"/>
           </a:p>
@@ -3619,7 +3620,7 @@
           <p:cNvPr id="6" name="Fußzeilenplatzhalter 5">
             <a:extLst>
               <a:ext uri="{FF2B5EF4-FFF2-40B4-BE49-F238E27FC236}">
-                <a16:creationId xmlns:a16="http://schemas.microsoft.com/office/drawing/2014/main" id="{2E219966-BC0F-4125-8697-1F877365151E}"/>
+                <a16:creationId xmlns:a16="http://schemas.microsoft.com/office/drawing/2014/main" xmlns="" id="{2E219966-BC0F-4125-8697-1F877365151E}"/>
               </a:ext>
             </a:extLst>
           </p:cNvPr>
@@ -3644,7 +3645,7 @@
           <p:cNvPr id="7" name="Foliennummernplatzhalter 6">
             <a:extLst>
               <a:ext uri="{FF2B5EF4-FFF2-40B4-BE49-F238E27FC236}">
-                <a16:creationId xmlns:a16="http://schemas.microsoft.com/office/drawing/2014/main" id="{533B2F53-265E-4BAB-A9C0-9C9FF9B2CD18}"/>
+                <a16:creationId xmlns:a16="http://schemas.microsoft.com/office/drawing/2014/main" xmlns="" id="{533B2F53-265E-4BAB-A9C0-9C9FF9B2CD18}"/>
               </a:ext>
             </a:extLst>
           </p:cNvPr>
@@ -3662,7 +3663,7 @@
           <a:p>
             <a:fld id="{DF58FA25-156B-428B-A75B-54B738B0BEF7}" type="slidenum">
               <a:rPr lang="de-DE" smtClean="0"/>
-              <a:t>‹Nr.›</a:t>
+              <a:t>‹#›</a:t>
             </a:fld>
             <a:endParaRPr lang="de-DE"/>
           </a:p>
@@ -3708,7 +3709,7 @@
           <p:cNvPr id="2" name="Titelplatzhalter 1">
             <a:extLst>
               <a:ext uri="{FF2B5EF4-FFF2-40B4-BE49-F238E27FC236}">
-                <a16:creationId xmlns:a16="http://schemas.microsoft.com/office/drawing/2014/main" id="{A3F29CDB-879D-41C3-8CF9-6B783AC27AE8}"/>
+                <a16:creationId xmlns:a16="http://schemas.microsoft.com/office/drawing/2014/main" xmlns="" id="{A3F29CDB-879D-41C3-8CF9-6B783AC27AE8}"/>
               </a:ext>
             </a:extLst>
           </p:cNvPr>
@@ -3746,7 +3747,7 @@
           <p:cNvPr id="3" name="Textplatzhalter 2">
             <a:extLst>
               <a:ext uri="{FF2B5EF4-FFF2-40B4-BE49-F238E27FC236}">
-                <a16:creationId xmlns:a16="http://schemas.microsoft.com/office/drawing/2014/main" id="{07C3F747-4553-441D-9A59-A179A6C8C72B}"/>
+                <a16:creationId xmlns:a16="http://schemas.microsoft.com/office/drawing/2014/main" xmlns="" id="{07C3F747-4553-441D-9A59-A179A6C8C72B}"/>
               </a:ext>
             </a:extLst>
           </p:cNvPr>
@@ -3813,7 +3814,7 @@
           <p:cNvPr id="4" name="Datumsplatzhalter 3">
             <a:extLst>
               <a:ext uri="{FF2B5EF4-FFF2-40B4-BE49-F238E27FC236}">
-                <a16:creationId xmlns:a16="http://schemas.microsoft.com/office/drawing/2014/main" id="{83470060-353B-434A-B7CC-33FBD49828AA}"/>
+                <a16:creationId xmlns:a16="http://schemas.microsoft.com/office/drawing/2014/main" xmlns="" id="{83470060-353B-434A-B7CC-33FBD49828AA}"/>
               </a:ext>
             </a:extLst>
           </p:cNvPr>
@@ -3850,7 +3851,7 @@
             <a:fld id="{F53A2B2D-7944-41FB-9249-083B5889C651}" type="datetime1">
               <a:rPr lang="de-DE" smtClean="0"/>
               <a:pPr/>
-              <a:t>02.07.2022</a:t>
+              <a:t>03.07.2022</a:t>
             </a:fld>
             <a:endParaRPr lang="de-DE"/>
           </a:p>
@@ -3861,7 +3862,7 @@
           <p:cNvPr id="5" name="Fußzeilenplatzhalter 4">
             <a:extLst>
               <a:ext uri="{FF2B5EF4-FFF2-40B4-BE49-F238E27FC236}">
-                <a16:creationId xmlns:a16="http://schemas.microsoft.com/office/drawing/2014/main" id="{793047DD-B4DA-48AE-9813-BA5BB26F6BD8}"/>
+                <a16:creationId xmlns:a16="http://schemas.microsoft.com/office/drawing/2014/main" xmlns="" id="{793047DD-B4DA-48AE-9813-BA5BB26F6BD8}"/>
               </a:ext>
             </a:extLst>
           </p:cNvPr>
@@ -3904,7 +3905,7 @@
           <p:cNvPr id="6" name="Foliennummernplatzhalter 5">
             <a:extLst>
               <a:ext uri="{FF2B5EF4-FFF2-40B4-BE49-F238E27FC236}">
-                <a16:creationId xmlns:a16="http://schemas.microsoft.com/office/drawing/2014/main" id="{1FB4E430-5754-4B82-BF95-E52C81F03426}"/>
+                <a16:creationId xmlns:a16="http://schemas.microsoft.com/office/drawing/2014/main" xmlns="" id="{1FB4E430-5754-4B82-BF95-E52C81F03426}"/>
               </a:ext>
             </a:extLst>
           </p:cNvPr>
@@ -3941,7 +3942,7 @@
             <a:fld id="{DF58FA25-156B-428B-A75B-54B738B0BEF7}" type="slidenum">
               <a:rPr lang="de-DE" smtClean="0"/>
               <a:pPr/>
-              <a:t>‹Nr.›</a:t>
+              <a:t>‹#›</a:t>
             </a:fld>
             <a:endParaRPr lang="de-DE"/>
           </a:p>
@@ -4274,7 +4275,7 @@
           <p:cNvPr id="4" name="Rechteck 3">
             <a:extLst>
               <a:ext uri="{FF2B5EF4-FFF2-40B4-BE49-F238E27FC236}">
-                <a16:creationId xmlns:a16="http://schemas.microsoft.com/office/drawing/2014/main" id="{25BC0F38-C5EA-4A88-B161-F0A7D0C230D8}"/>
+                <a16:creationId xmlns:a16="http://schemas.microsoft.com/office/drawing/2014/main" xmlns="" id="{25BC0F38-C5EA-4A88-B161-F0A7D0C230D8}"/>
               </a:ext>
             </a:extLst>
           </p:cNvPr>
@@ -4326,7 +4327,7 @@
           <p:cNvPr id="2" name="Textfeld 1">
             <a:extLst>
               <a:ext uri="{FF2B5EF4-FFF2-40B4-BE49-F238E27FC236}">
-                <a16:creationId xmlns:a16="http://schemas.microsoft.com/office/drawing/2014/main" id="{1017C281-9103-4001-B331-1945313A1AF6}"/>
+                <a16:creationId xmlns:a16="http://schemas.microsoft.com/office/drawing/2014/main" xmlns="" id="{1017C281-9103-4001-B331-1945313A1AF6}"/>
               </a:ext>
             </a:extLst>
           </p:cNvPr>
@@ -4377,7 +4378,7 @@
           <p:cNvPr id="6" name="Datumsplatzhalter 5">
             <a:extLst>
               <a:ext uri="{FF2B5EF4-FFF2-40B4-BE49-F238E27FC236}">
-                <a16:creationId xmlns:a16="http://schemas.microsoft.com/office/drawing/2014/main" id="{FDCCC8AF-1AAB-C0A1-31EF-8F84C928CCB9}"/>
+                <a16:creationId xmlns:a16="http://schemas.microsoft.com/office/drawing/2014/main" xmlns="" id="{FDCCC8AF-1AAB-C0A1-31EF-8F84C928CCB9}"/>
               </a:ext>
             </a:extLst>
           </p:cNvPr>
@@ -4395,7 +4396,7 @@
           <a:p>
             <a:fld id="{4BEA33E4-8E85-499A-BD28-A802FFFCDA60}" type="datetime1">
               <a:rPr lang="de-DE" smtClean="0"/>
-              <a:t>02.07.2022</a:t>
+              <a:t>03.07.2022</a:t>
             </a:fld>
             <a:endParaRPr lang="de-DE" dirty="0"/>
           </a:p>
@@ -4406,7 +4407,7 @@
           <p:cNvPr id="7" name="Foliennummernplatzhalter 6">
             <a:extLst>
               <a:ext uri="{FF2B5EF4-FFF2-40B4-BE49-F238E27FC236}">
-                <a16:creationId xmlns:a16="http://schemas.microsoft.com/office/drawing/2014/main" id="{05E3FBCF-D950-F55D-4E1A-C539DFC85CCF}"/>
+                <a16:creationId xmlns:a16="http://schemas.microsoft.com/office/drawing/2014/main" xmlns="" id="{05E3FBCF-D950-F55D-4E1A-C539DFC85CCF}"/>
               </a:ext>
             </a:extLst>
           </p:cNvPr>
@@ -4435,7 +4436,7 @@
           <p:cNvPr id="5" name="Textfeld 4">
             <a:extLst>
               <a:ext uri="{FF2B5EF4-FFF2-40B4-BE49-F238E27FC236}">
-                <a16:creationId xmlns:a16="http://schemas.microsoft.com/office/drawing/2014/main" id="{1D4977A9-7A1A-9413-3BAF-D9D9BB392C86}"/>
+                <a16:creationId xmlns:a16="http://schemas.microsoft.com/office/drawing/2014/main" xmlns="" id="{1D4977A9-7A1A-9413-3BAF-D9D9BB392C86}"/>
               </a:ext>
             </a:extLst>
           </p:cNvPr>
@@ -4520,7 +4521,7 @@
           <p:cNvPr id="9" name="Textfeld 8">
             <a:extLst>
               <a:ext uri="{FF2B5EF4-FFF2-40B4-BE49-F238E27FC236}">
-                <a16:creationId xmlns:a16="http://schemas.microsoft.com/office/drawing/2014/main" id="{99EF8AE6-2CAB-42B6-ADF7-989657C39A05}"/>
+                <a16:creationId xmlns:a16="http://schemas.microsoft.com/office/drawing/2014/main" xmlns="" id="{99EF8AE6-2CAB-42B6-ADF7-989657C39A05}"/>
               </a:ext>
             </a:extLst>
           </p:cNvPr>
@@ -4559,7 +4560,7 @@
           <p:cNvPr id="6" name="Datumsplatzhalter 5">
             <a:extLst>
               <a:ext uri="{FF2B5EF4-FFF2-40B4-BE49-F238E27FC236}">
-                <a16:creationId xmlns:a16="http://schemas.microsoft.com/office/drawing/2014/main" id="{48E9D077-55B2-E647-DBC0-A50E75AECD14}"/>
+                <a16:creationId xmlns:a16="http://schemas.microsoft.com/office/drawing/2014/main" xmlns="" id="{48E9D077-55B2-E647-DBC0-A50E75AECD14}"/>
               </a:ext>
             </a:extLst>
           </p:cNvPr>
@@ -4577,7 +4578,7 @@
           <a:p>
             <a:fld id="{4F0E9D1D-345F-4EE0-8A6C-79738B73EA47}" type="datetime1">
               <a:rPr lang="de-DE" smtClean="0"/>
-              <a:t>02.07.2022</a:t>
+              <a:t>03.07.2022</a:t>
             </a:fld>
             <a:endParaRPr lang="de-DE"/>
           </a:p>
@@ -4588,7 +4589,7 @@
           <p:cNvPr id="8" name="Foliennummernplatzhalter 7">
             <a:extLst>
               <a:ext uri="{FF2B5EF4-FFF2-40B4-BE49-F238E27FC236}">
-                <a16:creationId xmlns:a16="http://schemas.microsoft.com/office/drawing/2014/main" id="{3D89841E-9B6D-C73E-D67C-854130A63724}"/>
+                <a16:creationId xmlns:a16="http://schemas.microsoft.com/office/drawing/2014/main" xmlns="" id="{3D89841E-9B6D-C73E-D67C-854130A63724}"/>
               </a:ext>
             </a:extLst>
           </p:cNvPr>
@@ -4617,7 +4618,7 @@
           <p:cNvPr id="5" name="Grafik 4">
             <a:extLst>
               <a:ext uri="{FF2B5EF4-FFF2-40B4-BE49-F238E27FC236}">
-                <a16:creationId xmlns:a16="http://schemas.microsoft.com/office/drawing/2014/main" id="{C1A362DF-0A2D-1E08-F470-78A9CF3C7A62}"/>
+                <a16:creationId xmlns:a16="http://schemas.microsoft.com/office/drawing/2014/main" xmlns="" id="{C1A362DF-0A2D-1E08-F470-78A9CF3C7A62}"/>
               </a:ext>
             </a:extLst>
           </p:cNvPr>
@@ -4683,7 +4684,7 @@
           <p:cNvPr id="9" name="Textfeld 8">
             <a:extLst>
               <a:ext uri="{FF2B5EF4-FFF2-40B4-BE49-F238E27FC236}">
-                <a16:creationId xmlns:a16="http://schemas.microsoft.com/office/drawing/2014/main" id="{99EF8AE6-2CAB-42B6-ADF7-989657C39A05}"/>
+                <a16:creationId xmlns:a16="http://schemas.microsoft.com/office/drawing/2014/main" xmlns="" id="{99EF8AE6-2CAB-42B6-ADF7-989657C39A05}"/>
               </a:ext>
             </a:extLst>
           </p:cNvPr>
@@ -4722,7 +4723,7 @@
           <p:cNvPr id="6" name="Datumsplatzhalter 5">
             <a:extLst>
               <a:ext uri="{FF2B5EF4-FFF2-40B4-BE49-F238E27FC236}">
-                <a16:creationId xmlns:a16="http://schemas.microsoft.com/office/drawing/2014/main" id="{48E9D077-55B2-E647-DBC0-A50E75AECD14}"/>
+                <a16:creationId xmlns:a16="http://schemas.microsoft.com/office/drawing/2014/main" xmlns="" id="{48E9D077-55B2-E647-DBC0-A50E75AECD14}"/>
               </a:ext>
             </a:extLst>
           </p:cNvPr>
@@ -4740,7 +4741,7 @@
           <a:p>
             <a:fld id="{4F0E9D1D-345F-4EE0-8A6C-79738B73EA47}" type="datetime1">
               <a:rPr lang="de-DE" smtClean="0"/>
-              <a:t>02.07.2022</a:t>
+              <a:t>03.07.2022</a:t>
             </a:fld>
             <a:endParaRPr lang="de-DE"/>
           </a:p>
@@ -4751,7 +4752,7 @@
           <p:cNvPr id="8" name="Foliennummernplatzhalter 7">
             <a:extLst>
               <a:ext uri="{FF2B5EF4-FFF2-40B4-BE49-F238E27FC236}">
-                <a16:creationId xmlns:a16="http://schemas.microsoft.com/office/drawing/2014/main" id="{3D89841E-9B6D-C73E-D67C-854130A63724}"/>
+                <a16:creationId xmlns:a16="http://schemas.microsoft.com/office/drawing/2014/main" xmlns="" id="{3D89841E-9B6D-C73E-D67C-854130A63724}"/>
               </a:ext>
             </a:extLst>
           </p:cNvPr>
@@ -4780,7 +4781,7 @@
           <p:cNvPr id="3" name="Grafik 2">
             <a:extLst>
               <a:ext uri="{FF2B5EF4-FFF2-40B4-BE49-F238E27FC236}">
-                <a16:creationId xmlns:a16="http://schemas.microsoft.com/office/drawing/2014/main" id="{56703D57-62B6-3C65-4F34-B7F53E1F7FED}"/>
+                <a16:creationId xmlns:a16="http://schemas.microsoft.com/office/drawing/2014/main" xmlns="" id="{56703D57-62B6-3C65-4F34-B7F53E1F7FED}"/>
               </a:ext>
             </a:extLst>
           </p:cNvPr>
@@ -4846,7 +4847,7 @@
           <p:cNvPr id="9" name="Textfeld 8">
             <a:extLst>
               <a:ext uri="{FF2B5EF4-FFF2-40B4-BE49-F238E27FC236}">
-                <a16:creationId xmlns:a16="http://schemas.microsoft.com/office/drawing/2014/main" id="{99EF8AE6-2CAB-42B6-ADF7-989657C39A05}"/>
+                <a16:creationId xmlns:a16="http://schemas.microsoft.com/office/drawing/2014/main" xmlns="" id="{99EF8AE6-2CAB-42B6-ADF7-989657C39A05}"/>
               </a:ext>
             </a:extLst>
           </p:cNvPr>
@@ -4885,7 +4886,7 @@
           <p:cNvPr id="6" name="Datumsplatzhalter 5">
             <a:extLst>
               <a:ext uri="{FF2B5EF4-FFF2-40B4-BE49-F238E27FC236}">
-                <a16:creationId xmlns:a16="http://schemas.microsoft.com/office/drawing/2014/main" id="{48E9D077-55B2-E647-DBC0-A50E75AECD14}"/>
+                <a16:creationId xmlns:a16="http://schemas.microsoft.com/office/drawing/2014/main" xmlns="" id="{48E9D077-55B2-E647-DBC0-A50E75AECD14}"/>
               </a:ext>
             </a:extLst>
           </p:cNvPr>
@@ -4903,7 +4904,7 @@
           <a:p>
             <a:fld id="{4F0E9D1D-345F-4EE0-8A6C-79738B73EA47}" type="datetime1">
               <a:rPr lang="de-DE" smtClean="0"/>
-              <a:t>02.07.2022</a:t>
+              <a:t>03.07.2022</a:t>
             </a:fld>
             <a:endParaRPr lang="de-DE"/>
           </a:p>
@@ -4914,7 +4915,7 @@
           <p:cNvPr id="8" name="Foliennummernplatzhalter 7">
             <a:extLst>
               <a:ext uri="{FF2B5EF4-FFF2-40B4-BE49-F238E27FC236}">
-                <a16:creationId xmlns:a16="http://schemas.microsoft.com/office/drawing/2014/main" id="{3D89841E-9B6D-C73E-D67C-854130A63724}"/>
+                <a16:creationId xmlns:a16="http://schemas.microsoft.com/office/drawing/2014/main" xmlns="" id="{3D89841E-9B6D-C73E-D67C-854130A63724}"/>
               </a:ext>
             </a:extLst>
           </p:cNvPr>
@@ -4943,7 +4944,7 @@
           <p:cNvPr id="3" name="Grafik 2">
             <a:extLst>
               <a:ext uri="{FF2B5EF4-FFF2-40B4-BE49-F238E27FC236}">
-                <a16:creationId xmlns:a16="http://schemas.microsoft.com/office/drawing/2014/main" id="{56703D57-62B6-3C65-4F34-B7F53E1F7FED}"/>
+                <a16:creationId xmlns:a16="http://schemas.microsoft.com/office/drawing/2014/main" xmlns="" id="{56703D57-62B6-3C65-4F34-B7F53E1F7FED}"/>
               </a:ext>
             </a:extLst>
           </p:cNvPr>
@@ -5008,7 +5009,7 @@
           <p:cNvPr id="9" name="Textfeld 8">
             <a:extLst>
               <a:ext uri="{FF2B5EF4-FFF2-40B4-BE49-F238E27FC236}">
-                <a16:creationId xmlns:a16="http://schemas.microsoft.com/office/drawing/2014/main" id="{99EF8AE6-2CAB-42B6-ADF7-989657C39A05}"/>
+                <a16:creationId xmlns:a16="http://schemas.microsoft.com/office/drawing/2014/main" xmlns="" id="{99EF8AE6-2CAB-42B6-ADF7-989657C39A05}"/>
               </a:ext>
             </a:extLst>
           </p:cNvPr>
@@ -5047,7 +5048,7 @@
           <p:cNvPr id="6" name="Datumsplatzhalter 5">
             <a:extLst>
               <a:ext uri="{FF2B5EF4-FFF2-40B4-BE49-F238E27FC236}">
-                <a16:creationId xmlns:a16="http://schemas.microsoft.com/office/drawing/2014/main" id="{48E9D077-55B2-E647-DBC0-A50E75AECD14}"/>
+                <a16:creationId xmlns:a16="http://schemas.microsoft.com/office/drawing/2014/main" xmlns="" id="{48E9D077-55B2-E647-DBC0-A50E75AECD14}"/>
               </a:ext>
             </a:extLst>
           </p:cNvPr>
@@ -5065,7 +5066,7 @@
           <a:p>
             <a:fld id="{4F0E9D1D-345F-4EE0-8A6C-79738B73EA47}" type="datetime1">
               <a:rPr lang="de-DE" smtClean="0"/>
-              <a:t>02.07.2022</a:t>
+              <a:t>03.07.2022</a:t>
             </a:fld>
             <a:endParaRPr lang="de-DE"/>
           </a:p>
@@ -5076,7 +5077,7 @@
           <p:cNvPr id="8" name="Foliennummernplatzhalter 7">
             <a:extLst>
               <a:ext uri="{FF2B5EF4-FFF2-40B4-BE49-F238E27FC236}">
-                <a16:creationId xmlns:a16="http://schemas.microsoft.com/office/drawing/2014/main" id="{3D89841E-9B6D-C73E-D67C-854130A63724}"/>
+                <a16:creationId xmlns:a16="http://schemas.microsoft.com/office/drawing/2014/main" xmlns="" id="{3D89841E-9B6D-C73E-D67C-854130A63724}"/>
               </a:ext>
             </a:extLst>
           </p:cNvPr>
@@ -5105,7 +5106,7 @@
           <p:cNvPr id="3" name="Grafik 2">
             <a:extLst>
               <a:ext uri="{FF2B5EF4-FFF2-40B4-BE49-F238E27FC236}">
-                <a16:creationId xmlns:a16="http://schemas.microsoft.com/office/drawing/2014/main" id="{56703D57-62B6-3C65-4F34-B7F53E1F7FED}"/>
+                <a16:creationId xmlns:a16="http://schemas.microsoft.com/office/drawing/2014/main" xmlns="" id="{56703D57-62B6-3C65-4F34-B7F53E1F7FED}"/>
               </a:ext>
             </a:extLst>
           </p:cNvPr>
@@ -5140,7 +5141,7 @@
           <p:cNvPr id="15" name="Gruppieren 14">
             <a:extLst>
               <a:ext uri="{FF2B5EF4-FFF2-40B4-BE49-F238E27FC236}">
-                <a16:creationId xmlns:a16="http://schemas.microsoft.com/office/drawing/2014/main" id="{64E1E3C7-1C9D-EFA5-9EE5-18559DE40AF0}"/>
+                <a16:creationId xmlns:a16="http://schemas.microsoft.com/office/drawing/2014/main" xmlns="" id="{64E1E3C7-1C9D-EFA5-9EE5-18559DE40AF0}"/>
               </a:ext>
             </a:extLst>
           </p:cNvPr>
@@ -5160,7 +5161,7 @@
             <p:cNvPr id="4" name="Grafik 3">
               <a:extLst>
                 <a:ext uri="{FF2B5EF4-FFF2-40B4-BE49-F238E27FC236}">
-                  <a16:creationId xmlns:a16="http://schemas.microsoft.com/office/drawing/2014/main" id="{F241513F-1AE6-78D9-C51F-CD02335422CA}"/>
+                  <a16:creationId xmlns:a16="http://schemas.microsoft.com/office/drawing/2014/main" xmlns="" id="{F241513F-1AE6-78D9-C51F-CD02335422CA}"/>
                 </a:ext>
               </a:extLst>
             </p:cNvPr>
@@ -5190,7 +5191,7 @@
             <p:cNvPr id="5" name="Ellipse 4">
               <a:extLst>
                 <a:ext uri="{FF2B5EF4-FFF2-40B4-BE49-F238E27FC236}">
-                  <a16:creationId xmlns:a16="http://schemas.microsoft.com/office/drawing/2014/main" id="{87067B63-766A-4F1F-7B78-BA59AA619B37}"/>
+                  <a16:creationId xmlns:a16="http://schemas.microsoft.com/office/drawing/2014/main" xmlns="" id="{87067B63-766A-4F1F-7B78-BA59AA619B37}"/>
                 </a:ext>
               </a:extLst>
             </p:cNvPr>
@@ -5242,7 +5243,7 @@
             <p:cNvPr id="10" name="Ellipse 9">
               <a:extLst>
                 <a:ext uri="{FF2B5EF4-FFF2-40B4-BE49-F238E27FC236}">
-                  <a16:creationId xmlns:a16="http://schemas.microsoft.com/office/drawing/2014/main" id="{D77CB6F7-06AD-34E5-76E1-96704A1DC5BA}"/>
+                  <a16:creationId xmlns:a16="http://schemas.microsoft.com/office/drawing/2014/main" xmlns="" id="{D77CB6F7-06AD-34E5-76E1-96704A1DC5BA}"/>
                 </a:ext>
               </a:extLst>
             </p:cNvPr>
@@ -5294,7 +5295,7 @@
             <p:cNvPr id="14" name="Ellipse 13">
               <a:extLst>
                 <a:ext uri="{FF2B5EF4-FFF2-40B4-BE49-F238E27FC236}">
-                  <a16:creationId xmlns:a16="http://schemas.microsoft.com/office/drawing/2014/main" id="{733058F2-DF57-096B-C185-0C3296A80E65}"/>
+                  <a16:creationId xmlns:a16="http://schemas.microsoft.com/office/drawing/2014/main" xmlns="" id="{733058F2-DF57-096B-C185-0C3296A80E65}"/>
                 </a:ext>
               </a:extLst>
             </p:cNvPr>
@@ -5377,7 +5378,7 @@
           <p:cNvPr id="9" name="Textfeld 8">
             <a:extLst>
               <a:ext uri="{FF2B5EF4-FFF2-40B4-BE49-F238E27FC236}">
-                <a16:creationId xmlns:a16="http://schemas.microsoft.com/office/drawing/2014/main" id="{99EF8AE6-2CAB-42B6-ADF7-989657C39A05}"/>
+                <a16:creationId xmlns:a16="http://schemas.microsoft.com/office/drawing/2014/main" xmlns="" id="{99EF8AE6-2CAB-42B6-ADF7-989657C39A05}"/>
               </a:ext>
             </a:extLst>
           </p:cNvPr>
@@ -5416,7 +5417,7 @@
           <p:cNvPr id="6" name="Datumsplatzhalter 5">
             <a:extLst>
               <a:ext uri="{FF2B5EF4-FFF2-40B4-BE49-F238E27FC236}">
-                <a16:creationId xmlns:a16="http://schemas.microsoft.com/office/drawing/2014/main" id="{48E9D077-55B2-E647-DBC0-A50E75AECD14}"/>
+                <a16:creationId xmlns:a16="http://schemas.microsoft.com/office/drawing/2014/main" xmlns="" id="{48E9D077-55B2-E647-DBC0-A50E75AECD14}"/>
               </a:ext>
             </a:extLst>
           </p:cNvPr>
@@ -5434,7 +5435,7 @@
           <a:p>
             <a:fld id="{4F0E9D1D-345F-4EE0-8A6C-79738B73EA47}" type="datetime1">
               <a:rPr lang="de-DE" smtClean="0"/>
-              <a:t>02.07.2022</a:t>
+              <a:t>03.07.2022</a:t>
             </a:fld>
             <a:endParaRPr lang="de-DE"/>
           </a:p>
@@ -5445,7 +5446,7 @@
           <p:cNvPr id="8" name="Foliennummernplatzhalter 7">
             <a:extLst>
               <a:ext uri="{FF2B5EF4-FFF2-40B4-BE49-F238E27FC236}">
-                <a16:creationId xmlns:a16="http://schemas.microsoft.com/office/drawing/2014/main" id="{3D89841E-9B6D-C73E-D67C-854130A63724}"/>
+                <a16:creationId xmlns:a16="http://schemas.microsoft.com/office/drawing/2014/main" xmlns="" id="{3D89841E-9B6D-C73E-D67C-854130A63724}"/>
               </a:ext>
             </a:extLst>
           </p:cNvPr>
@@ -5474,7 +5475,7 @@
           <p:cNvPr id="3" name="Grafik 2">
             <a:extLst>
               <a:ext uri="{FF2B5EF4-FFF2-40B4-BE49-F238E27FC236}">
-                <a16:creationId xmlns:a16="http://schemas.microsoft.com/office/drawing/2014/main" id="{56703D57-62B6-3C65-4F34-B7F53E1F7FED}"/>
+                <a16:creationId xmlns:a16="http://schemas.microsoft.com/office/drawing/2014/main" xmlns="" id="{56703D57-62B6-3C65-4F34-B7F53E1F7FED}"/>
               </a:ext>
             </a:extLst>
           </p:cNvPr>
@@ -5536,10 +5537,178 @@
       </p:grpSpPr>
       <p:sp>
         <p:nvSpPr>
+          <p:cNvPr id="9" name="Textfeld 8">
+            <a:extLst>
+              <a:ext uri="{FF2B5EF4-FFF2-40B4-BE49-F238E27FC236}">
+                <a16:creationId xmlns:a16="http://schemas.microsoft.com/office/drawing/2014/main" xmlns="" id="{99EF8AE6-2CAB-42B6-ADF7-989657C39A05}"/>
+              </a:ext>
+            </a:extLst>
+          </p:cNvPr>
+          <p:cNvSpPr txBox="1"/>
+          <p:nvPr/>
+        </p:nvSpPr>
+        <p:spPr>
+          <a:xfrm>
+            <a:off x="411892" y="197937"/>
+            <a:ext cx="7016042" cy="923330"/>
+          </a:xfrm>
+          <a:prstGeom prst="rect">
+            <a:avLst/>
+          </a:prstGeom>
+          <a:noFill/>
+        </p:spPr>
+        <p:txBody>
+          <a:bodyPr wrap="square" rtlCol="0">
+            <a:spAutoFit/>
+          </a:bodyPr>
+          <a:lstStyle/>
+          <a:p>
+            <a:r>
+              <a:rPr lang="de-DE" sz="5400" b="1" dirty="0" smtClean="0">
+                <a:solidFill>
+                  <a:srgbClr val="5C5D8D"/>
+                </a:solidFill>
+              </a:rPr>
+              <a:t>Ergebnis</a:t>
+            </a:r>
+            <a:endParaRPr lang="de-DE" sz="5400" b="1" dirty="0">
+              <a:solidFill>
+                <a:srgbClr val="5C5D8D"/>
+              </a:solidFill>
+            </a:endParaRPr>
+          </a:p>
+        </p:txBody>
+      </p:sp>
+      <p:sp>
+        <p:nvSpPr>
+          <p:cNvPr id="6" name="Datumsplatzhalter 5">
+            <a:extLst>
+              <a:ext uri="{FF2B5EF4-FFF2-40B4-BE49-F238E27FC236}">
+                <a16:creationId xmlns:a16="http://schemas.microsoft.com/office/drawing/2014/main" xmlns="" id="{48E9D077-55B2-E647-DBC0-A50E75AECD14}"/>
+              </a:ext>
+            </a:extLst>
+          </p:cNvPr>
+          <p:cNvSpPr>
+            <a:spLocks noGrp="1"/>
+          </p:cNvSpPr>
+          <p:nvPr>
+            <p:ph type="dt" sz="half" idx="10"/>
+          </p:nvPr>
+        </p:nvSpPr>
+        <p:spPr/>
+        <p:txBody>
+          <a:bodyPr/>
+          <a:lstStyle/>
+          <a:p>
+            <a:fld id="{4F0E9D1D-345F-4EE0-8A6C-79738B73EA47}" type="datetime1">
+              <a:rPr lang="de-DE" smtClean="0"/>
+              <a:t>03.07.2022</a:t>
+            </a:fld>
+            <a:endParaRPr lang="de-DE"/>
+          </a:p>
+        </p:txBody>
+      </p:sp>
+      <p:sp>
+        <p:nvSpPr>
+          <p:cNvPr id="8" name="Foliennummernplatzhalter 7">
+            <a:extLst>
+              <a:ext uri="{FF2B5EF4-FFF2-40B4-BE49-F238E27FC236}">
+                <a16:creationId xmlns:a16="http://schemas.microsoft.com/office/drawing/2014/main" xmlns="" id="{3D89841E-9B6D-C73E-D67C-854130A63724}"/>
+              </a:ext>
+            </a:extLst>
+          </p:cNvPr>
+          <p:cNvSpPr>
+            <a:spLocks noGrp="1"/>
+          </p:cNvSpPr>
+          <p:nvPr>
+            <p:ph type="sldNum" sz="quarter" idx="12"/>
+          </p:nvPr>
+        </p:nvSpPr>
+        <p:spPr/>
+        <p:txBody>
+          <a:bodyPr/>
+          <a:lstStyle/>
+          <a:p>
+            <a:fld id="{DF58FA25-156B-428B-A75B-54B738B0BEF7}" type="slidenum">
+              <a:rPr lang="de-DE" smtClean="0"/>
+              <a:t>6</a:t>
+            </a:fld>
+            <a:endParaRPr lang="de-DE"/>
+          </a:p>
+        </p:txBody>
+      </p:sp>
+      <p:pic>
+        <p:nvPicPr>
+          <p:cNvPr id="3" name="Grafik 2">
+            <a:extLst>
+              <a:ext uri="{FF2B5EF4-FFF2-40B4-BE49-F238E27FC236}">
+                <a16:creationId xmlns:a16="http://schemas.microsoft.com/office/drawing/2014/main" xmlns="" id="{56703D57-62B6-3C65-4F34-B7F53E1F7FED}"/>
+              </a:ext>
+            </a:extLst>
+          </p:cNvPr>
+          <p:cNvPicPr>
+            <a:picLocks noChangeAspect="1"/>
+          </p:cNvPicPr>
+          <p:nvPr/>
+        </p:nvPicPr>
+        <p:blipFill>
+          <a:blip r:embed="rId2">
+            <a:extLst>
+              <a:ext uri="{28A0092B-C50C-407E-A947-70E740481C1C}">
+                <a14:useLocalDpi xmlns:a14="http://schemas.microsoft.com/office/drawing/2010/main" val="0"/>
+              </a:ext>
+            </a:extLst>
+          </a:blip>
+          <a:stretch>
+            <a:fillRect/>
+          </a:stretch>
+        </p:blipFill>
+        <p:spPr>
+          <a:xfrm>
+            <a:off x="347489" y="1581952"/>
+            <a:ext cx="9525000" cy="4762500"/>
+          </a:xfrm>
+          <a:prstGeom prst="rect">
+            <a:avLst/>
+          </a:prstGeom>
+        </p:spPr>
+      </p:pic>
+    </p:spTree>
+    <p:extLst>
+      <p:ext uri="{BB962C8B-B14F-4D97-AF65-F5344CB8AC3E}">
+        <p14:creationId xmlns:p14="http://schemas.microsoft.com/office/powerpoint/2010/main" val="1853088398"/>
+      </p:ext>
+    </p:extLst>
+  </p:cSld>
+  <p:clrMapOvr>
+    <a:masterClrMapping/>
+  </p:clrMapOvr>
+</p:sld>
+</file>
+
+<file path=ppt/slides/slide8.xml><?xml version="1.0" encoding="utf-8"?>
+<p:sld xmlns:a="http://schemas.openxmlformats.org/drawingml/2006/main" xmlns:r="http://schemas.openxmlformats.org/officeDocument/2006/relationships" xmlns:p="http://schemas.openxmlformats.org/presentationml/2006/main">
+  <p:cSld>
+    <p:spTree>
+      <p:nvGrpSpPr>
+        <p:cNvPr id="1" name=""/>
+        <p:cNvGrpSpPr/>
+        <p:nvPr/>
+      </p:nvGrpSpPr>
+      <p:grpSpPr>
+        <a:xfrm>
+          <a:off x="0" y="0"/>
+          <a:ext cx="0" cy="0"/>
+          <a:chOff x="0" y="0"/>
+          <a:chExt cx="0" cy="0"/>
+        </a:xfrm>
+      </p:grpSpPr>
+      <p:sp>
+        <p:nvSpPr>
           <p:cNvPr id="4" name="Rechteck 3">
             <a:extLst>
               <a:ext uri="{FF2B5EF4-FFF2-40B4-BE49-F238E27FC236}">
-                <a16:creationId xmlns:a16="http://schemas.microsoft.com/office/drawing/2014/main" id="{25BC0F38-C5EA-4A88-B161-F0A7D0C230D8}"/>
+                <a16:creationId xmlns:a16="http://schemas.microsoft.com/office/drawing/2014/main" xmlns="" id="{25BC0F38-C5EA-4A88-B161-F0A7D0C230D8}"/>
               </a:ext>
             </a:extLst>
           </p:cNvPr>
@@ -5591,7 +5760,7 @@
           <p:cNvPr id="2" name="Textfeld 1">
             <a:extLst>
               <a:ext uri="{FF2B5EF4-FFF2-40B4-BE49-F238E27FC236}">
-                <a16:creationId xmlns:a16="http://schemas.microsoft.com/office/drawing/2014/main" id="{1017C281-9103-4001-B331-1945313A1AF6}"/>
+                <a16:creationId xmlns:a16="http://schemas.microsoft.com/office/drawing/2014/main" xmlns="" id="{1017C281-9103-4001-B331-1945313A1AF6}"/>
               </a:ext>
             </a:extLst>
           </p:cNvPr>

--- a/Documents/Planspiel_Slides_Graf.pptx
+++ b/Documents/Planspiel_Slides_Graf.pptx
@@ -740,7 +740,7 @@
           <a:p>
             <a:fld id="{764284CA-2FFE-42F8-B655-6B9C440A42C0}" type="datetimeFigureOut">
               <a:rPr lang="de-DE" smtClean="0"/>
-              <a:t>03.07.2022</a:t>
+              <a:t>04.07.2022</a:t>
             </a:fld>
             <a:endParaRPr lang="de-DE"/>
           </a:p>
@@ -898,7 +898,7 @@
           <a:p>
             <a:fld id="{A20A9311-5F6B-4CCE-8112-6B0C08440ACD}" type="slidenum">
               <a:rPr lang="de-DE" smtClean="0"/>
-              <a:t>‹#›</a:t>
+              <a:t>‹Nr.›</a:t>
             </a:fld>
             <a:endParaRPr lang="de-DE"/>
           </a:p>
@@ -1029,7 +1029,7 @@
           <p:cNvPr id="2" name="Titel 1">
             <a:extLst>
               <a:ext uri="{FF2B5EF4-FFF2-40B4-BE49-F238E27FC236}">
-                <a16:creationId xmlns:a16="http://schemas.microsoft.com/office/drawing/2014/main" xmlns="" id="{DCC9C744-82B2-42F8-A02B-CF92B2508543}"/>
+                <a16:creationId xmlns:a16="http://schemas.microsoft.com/office/drawing/2014/main" id="{DCC9C744-82B2-42F8-A02B-CF92B2508543}"/>
               </a:ext>
             </a:extLst>
           </p:cNvPr>
@@ -1066,7 +1066,7 @@
           <p:cNvPr id="3" name="Untertitel 2">
             <a:extLst>
               <a:ext uri="{FF2B5EF4-FFF2-40B4-BE49-F238E27FC236}">
-                <a16:creationId xmlns:a16="http://schemas.microsoft.com/office/drawing/2014/main" xmlns="" id="{9B4CC61D-133E-42AD-8357-049D6177B4A8}"/>
+                <a16:creationId xmlns:a16="http://schemas.microsoft.com/office/drawing/2014/main" id="{9B4CC61D-133E-42AD-8357-049D6177B4A8}"/>
               </a:ext>
             </a:extLst>
           </p:cNvPr>
@@ -1136,7 +1136,7 @@
           <p:cNvPr id="4" name="Datumsplatzhalter 3">
             <a:extLst>
               <a:ext uri="{FF2B5EF4-FFF2-40B4-BE49-F238E27FC236}">
-                <a16:creationId xmlns:a16="http://schemas.microsoft.com/office/drawing/2014/main" xmlns="" id="{7A7F5985-2CA3-4AC2-8021-B2367716BC8E}"/>
+                <a16:creationId xmlns:a16="http://schemas.microsoft.com/office/drawing/2014/main" id="{7A7F5985-2CA3-4AC2-8021-B2367716BC8E}"/>
               </a:ext>
             </a:extLst>
           </p:cNvPr>
@@ -1169,7 +1169,7 @@
           <a:p>
             <a:fld id="{7C1D7B5E-0C64-44F6-9E4E-08B6EB51C12E}" type="datetime1">
               <a:rPr lang="de-DE" smtClean="0"/>
-              <a:t>03.07.2022</a:t>
+              <a:t>04.07.2022</a:t>
             </a:fld>
             <a:endParaRPr lang="de-DE"/>
           </a:p>
@@ -1180,7 +1180,7 @@
           <p:cNvPr id="5" name="Fußzeilenplatzhalter 4">
             <a:extLst>
               <a:ext uri="{FF2B5EF4-FFF2-40B4-BE49-F238E27FC236}">
-                <a16:creationId xmlns:a16="http://schemas.microsoft.com/office/drawing/2014/main" xmlns="" id="{1D4C0ED9-7F16-4F3A-AD18-131E2CD4F7A0}"/>
+                <a16:creationId xmlns:a16="http://schemas.microsoft.com/office/drawing/2014/main" id="{1D4C0ED9-7F16-4F3A-AD18-131E2CD4F7A0}"/>
               </a:ext>
             </a:extLst>
           </p:cNvPr>
@@ -1220,7 +1220,7 @@
           <p:cNvPr id="6" name="Foliennummernplatzhalter 5">
             <a:extLst>
               <a:ext uri="{FF2B5EF4-FFF2-40B4-BE49-F238E27FC236}">
-                <a16:creationId xmlns:a16="http://schemas.microsoft.com/office/drawing/2014/main" xmlns="" id="{318CAAA8-E4D4-4D12-9568-212F6422E730}"/>
+                <a16:creationId xmlns:a16="http://schemas.microsoft.com/office/drawing/2014/main" id="{318CAAA8-E4D4-4D12-9568-212F6422E730}"/>
               </a:ext>
             </a:extLst>
           </p:cNvPr>
@@ -1254,7 +1254,7 @@
             <a:fld id="{DF58FA25-156B-428B-A75B-54B738B0BEF7}" type="slidenum">
               <a:rPr lang="de-DE" smtClean="0"/>
               <a:pPr/>
-              <a:t>‹#›</a:t>
+              <a:t>‹Nr.›</a:t>
             </a:fld>
             <a:endParaRPr lang="de-DE"/>
           </a:p>
@@ -1295,7 +1295,7 @@
           <p:cNvPr id="2" name="Titel 1">
             <a:extLst>
               <a:ext uri="{FF2B5EF4-FFF2-40B4-BE49-F238E27FC236}">
-                <a16:creationId xmlns:a16="http://schemas.microsoft.com/office/drawing/2014/main" xmlns="" id="{A2EA0F22-1D31-4AA9-BD75-EB28E830F2A9}"/>
+                <a16:creationId xmlns:a16="http://schemas.microsoft.com/office/drawing/2014/main" id="{A2EA0F22-1D31-4AA9-BD75-EB28E830F2A9}"/>
               </a:ext>
             </a:extLst>
           </p:cNvPr>
@@ -1323,7 +1323,7 @@
           <p:cNvPr id="3" name="Vertikaler Textplatzhalter 2">
             <a:extLst>
               <a:ext uri="{FF2B5EF4-FFF2-40B4-BE49-F238E27FC236}">
-                <a16:creationId xmlns:a16="http://schemas.microsoft.com/office/drawing/2014/main" xmlns="" id="{5136D1C1-DB65-4FFF-97F4-2D8E97140238}"/>
+                <a16:creationId xmlns:a16="http://schemas.microsoft.com/office/drawing/2014/main" id="{5136D1C1-DB65-4FFF-97F4-2D8E97140238}"/>
               </a:ext>
             </a:extLst>
           </p:cNvPr>
@@ -1380,7 +1380,7 @@
           <p:cNvPr id="4" name="Datumsplatzhalter 3">
             <a:extLst>
               <a:ext uri="{FF2B5EF4-FFF2-40B4-BE49-F238E27FC236}">
-                <a16:creationId xmlns:a16="http://schemas.microsoft.com/office/drawing/2014/main" xmlns="" id="{E78CC44B-ACE4-4D51-85E1-B0688BE6DCE6}"/>
+                <a16:creationId xmlns:a16="http://schemas.microsoft.com/office/drawing/2014/main" id="{E78CC44B-ACE4-4D51-85E1-B0688BE6DCE6}"/>
               </a:ext>
             </a:extLst>
           </p:cNvPr>
@@ -1398,7 +1398,7 @@
           <a:p>
             <a:fld id="{AA216687-67D2-4799-83E7-848D0A3012AB}" type="datetime1">
               <a:rPr lang="de-DE" smtClean="0"/>
-              <a:t>03.07.2022</a:t>
+              <a:t>04.07.2022</a:t>
             </a:fld>
             <a:endParaRPr lang="de-DE"/>
           </a:p>
@@ -1409,7 +1409,7 @@
           <p:cNvPr id="5" name="Fußzeilenplatzhalter 4">
             <a:extLst>
               <a:ext uri="{FF2B5EF4-FFF2-40B4-BE49-F238E27FC236}">
-                <a16:creationId xmlns:a16="http://schemas.microsoft.com/office/drawing/2014/main" xmlns="" id="{BF3B2DA5-85FB-463C-8EE8-1C65BC73E2A4}"/>
+                <a16:creationId xmlns:a16="http://schemas.microsoft.com/office/drawing/2014/main" id="{BF3B2DA5-85FB-463C-8EE8-1C65BC73E2A4}"/>
               </a:ext>
             </a:extLst>
           </p:cNvPr>
@@ -1434,7 +1434,7 @@
           <p:cNvPr id="6" name="Foliennummernplatzhalter 5">
             <a:extLst>
               <a:ext uri="{FF2B5EF4-FFF2-40B4-BE49-F238E27FC236}">
-                <a16:creationId xmlns:a16="http://schemas.microsoft.com/office/drawing/2014/main" xmlns="" id="{F9F869DC-7A3E-42EE-B741-3426582D96BC}"/>
+                <a16:creationId xmlns:a16="http://schemas.microsoft.com/office/drawing/2014/main" id="{F9F869DC-7A3E-42EE-B741-3426582D96BC}"/>
               </a:ext>
             </a:extLst>
           </p:cNvPr>
@@ -1452,7 +1452,7 @@
           <a:p>
             <a:fld id="{DF58FA25-156B-428B-A75B-54B738B0BEF7}" type="slidenum">
               <a:rPr lang="de-DE" smtClean="0"/>
-              <a:t>‹#›</a:t>
+              <a:t>‹Nr.›</a:t>
             </a:fld>
             <a:endParaRPr lang="de-DE"/>
           </a:p>
@@ -1493,7 +1493,7 @@
           <p:cNvPr id="2" name="Vertikaler Titel 1">
             <a:extLst>
               <a:ext uri="{FF2B5EF4-FFF2-40B4-BE49-F238E27FC236}">
-                <a16:creationId xmlns:a16="http://schemas.microsoft.com/office/drawing/2014/main" xmlns="" id="{9515E025-27CA-43FD-AC27-E7A9DA4A216B}"/>
+                <a16:creationId xmlns:a16="http://schemas.microsoft.com/office/drawing/2014/main" id="{9515E025-27CA-43FD-AC27-E7A9DA4A216B}"/>
               </a:ext>
             </a:extLst>
           </p:cNvPr>
@@ -1526,7 +1526,7 @@
           <p:cNvPr id="3" name="Vertikaler Textplatzhalter 2">
             <a:extLst>
               <a:ext uri="{FF2B5EF4-FFF2-40B4-BE49-F238E27FC236}">
-                <a16:creationId xmlns:a16="http://schemas.microsoft.com/office/drawing/2014/main" xmlns="" id="{DBB4A698-5133-4C8C-AEE1-C10A187D7B7D}"/>
+                <a16:creationId xmlns:a16="http://schemas.microsoft.com/office/drawing/2014/main" id="{DBB4A698-5133-4C8C-AEE1-C10A187D7B7D}"/>
               </a:ext>
             </a:extLst>
           </p:cNvPr>
@@ -1588,7 +1588,7 @@
           <p:cNvPr id="4" name="Datumsplatzhalter 3">
             <a:extLst>
               <a:ext uri="{FF2B5EF4-FFF2-40B4-BE49-F238E27FC236}">
-                <a16:creationId xmlns:a16="http://schemas.microsoft.com/office/drawing/2014/main" xmlns="" id="{28EACA0A-6819-4C12-840E-422A50CDFF0D}"/>
+                <a16:creationId xmlns:a16="http://schemas.microsoft.com/office/drawing/2014/main" id="{28EACA0A-6819-4C12-840E-422A50CDFF0D}"/>
               </a:ext>
             </a:extLst>
           </p:cNvPr>
@@ -1606,7 +1606,7 @@
           <a:p>
             <a:fld id="{C9981B56-1CC0-446B-992A-C3319D92BE7F}" type="datetime1">
               <a:rPr lang="de-DE" smtClean="0"/>
-              <a:t>03.07.2022</a:t>
+              <a:t>04.07.2022</a:t>
             </a:fld>
             <a:endParaRPr lang="de-DE"/>
           </a:p>
@@ -1617,7 +1617,7 @@
           <p:cNvPr id="5" name="Fußzeilenplatzhalter 4">
             <a:extLst>
               <a:ext uri="{FF2B5EF4-FFF2-40B4-BE49-F238E27FC236}">
-                <a16:creationId xmlns:a16="http://schemas.microsoft.com/office/drawing/2014/main" xmlns="" id="{B9EC4817-8859-44DB-BAF7-9F7625EBD8EB}"/>
+                <a16:creationId xmlns:a16="http://schemas.microsoft.com/office/drawing/2014/main" id="{B9EC4817-8859-44DB-BAF7-9F7625EBD8EB}"/>
               </a:ext>
             </a:extLst>
           </p:cNvPr>
@@ -1642,7 +1642,7 @@
           <p:cNvPr id="6" name="Foliennummernplatzhalter 5">
             <a:extLst>
               <a:ext uri="{FF2B5EF4-FFF2-40B4-BE49-F238E27FC236}">
-                <a16:creationId xmlns:a16="http://schemas.microsoft.com/office/drawing/2014/main" xmlns="" id="{1AF6ACDB-ECE6-470F-BD49-F9C1833C563A}"/>
+                <a16:creationId xmlns:a16="http://schemas.microsoft.com/office/drawing/2014/main" id="{1AF6ACDB-ECE6-470F-BD49-F9C1833C563A}"/>
               </a:ext>
             </a:extLst>
           </p:cNvPr>
@@ -1660,7 +1660,7 @@
           <a:p>
             <a:fld id="{DF58FA25-156B-428B-A75B-54B738B0BEF7}" type="slidenum">
               <a:rPr lang="de-DE" smtClean="0"/>
-              <a:t>‹#›</a:t>
+              <a:t>‹Nr.›</a:t>
             </a:fld>
             <a:endParaRPr lang="de-DE"/>
           </a:p>
@@ -1701,7 +1701,7 @@
           <p:cNvPr id="2" name="Titel 1">
             <a:extLst>
               <a:ext uri="{FF2B5EF4-FFF2-40B4-BE49-F238E27FC236}">
-                <a16:creationId xmlns:a16="http://schemas.microsoft.com/office/drawing/2014/main" xmlns="" id="{AAFCD4B1-86FE-47B2-A759-87BECC604986}"/>
+                <a16:creationId xmlns:a16="http://schemas.microsoft.com/office/drawing/2014/main" id="{AAFCD4B1-86FE-47B2-A759-87BECC604986}"/>
               </a:ext>
             </a:extLst>
           </p:cNvPr>
@@ -1729,7 +1729,7 @@
           <p:cNvPr id="3" name="Inhaltsplatzhalter 2">
             <a:extLst>
               <a:ext uri="{FF2B5EF4-FFF2-40B4-BE49-F238E27FC236}">
-                <a16:creationId xmlns:a16="http://schemas.microsoft.com/office/drawing/2014/main" xmlns="" id="{AB838476-875C-4AC6-A6CE-F3FC796AC692}"/>
+                <a16:creationId xmlns:a16="http://schemas.microsoft.com/office/drawing/2014/main" id="{AB838476-875C-4AC6-A6CE-F3FC796AC692}"/>
               </a:ext>
             </a:extLst>
           </p:cNvPr>
@@ -1786,7 +1786,7 @@
           <p:cNvPr id="4" name="Datumsplatzhalter 3">
             <a:extLst>
               <a:ext uri="{FF2B5EF4-FFF2-40B4-BE49-F238E27FC236}">
-                <a16:creationId xmlns:a16="http://schemas.microsoft.com/office/drawing/2014/main" xmlns="" id="{B1E774BC-E251-44C1-B5AD-39CA29F7609C}"/>
+                <a16:creationId xmlns:a16="http://schemas.microsoft.com/office/drawing/2014/main" id="{B1E774BC-E251-44C1-B5AD-39CA29F7609C}"/>
               </a:ext>
             </a:extLst>
           </p:cNvPr>
@@ -1804,7 +1804,7 @@
           <a:p>
             <a:fld id="{DA0D6257-76B1-4D99-928B-8118749BCCE4}" type="datetime1">
               <a:rPr lang="de-DE" smtClean="0"/>
-              <a:t>03.07.2022</a:t>
+              <a:t>04.07.2022</a:t>
             </a:fld>
             <a:endParaRPr lang="de-DE"/>
           </a:p>
@@ -1815,7 +1815,7 @@
           <p:cNvPr id="5" name="Fußzeilenplatzhalter 4">
             <a:extLst>
               <a:ext uri="{FF2B5EF4-FFF2-40B4-BE49-F238E27FC236}">
-                <a16:creationId xmlns:a16="http://schemas.microsoft.com/office/drawing/2014/main" xmlns="" id="{15761258-9BE6-4449-BC61-F8830D04118E}"/>
+                <a16:creationId xmlns:a16="http://schemas.microsoft.com/office/drawing/2014/main" id="{15761258-9BE6-4449-BC61-F8830D04118E}"/>
               </a:ext>
             </a:extLst>
           </p:cNvPr>
@@ -1840,7 +1840,7 @@
           <p:cNvPr id="6" name="Foliennummernplatzhalter 5">
             <a:extLst>
               <a:ext uri="{FF2B5EF4-FFF2-40B4-BE49-F238E27FC236}">
-                <a16:creationId xmlns:a16="http://schemas.microsoft.com/office/drawing/2014/main" xmlns="" id="{031D3F51-9B2D-48E5-87C3-DCAB964C6E22}"/>
+                <a16:creationId xmlns:a16="http://schemas.microsoft.com/office/drawing/2014/main" id="{031D3F51-9B2D-48E5-87C3-DCAB964C6E22}"/>
               </a:ext>
             </a:extLst>
           </p:cNvPr>
@@ -1858,7 +1858,7 @@
           <a:p>
             <a:fld id="{DF58FA25-156B-428B-A75B-54B738B0BEF7}" type="slidenum">
               <a:rPr lang="de-DE" smtClean="0"/>
-              <a:t>‹#›</a:t>
+              <a:t>‹Nr.›</a:t>
             </a:fld>
             <a:endParaRPr lang="de-DE"/>
           </a:p>
@@ -1899,7 +1899,7 @@
           <p:cNvPr id="2" name="Titel 1">
             <a:extLst>
               <a:ext uri="{FF2B5EF4-FFF2-40B4-BE49-F238E27FC236}">
-                <a16:creationId xmlns:a16="http://schemas.microsoft.com/office/drawing/2014/main" xmlns="" id="{49E51F41-61B0-451E-960A-6C32E83F6C75}"/>
+                <a16:creationId xmlns:a16="http://schemas.microsoft.com/office/drawing/2014/main" id="{49E51F41-61B0-451E-960A-6C32E83F6C75}"/>
               </a:ext>
             </a:extLst>
           </p:cNvPr>
@@ -1936,7 +1936,7 @@
           <p:cNvPr id="3" name="Textplatzhalter 2">
             <a:extLst>
               <a:ext uri="{FF2B5EF4-FFF2-40B4-BE49-F238E27FC236}">
-                <a16:creationId xmlns:a16="http://schemas.microsoft.com/office/drawing/2014/main" xmlns="" id="{AFB83402-A7DA-42CA-AABA-970A5B2B1FDE}"/>
+                <a16:creationId xmlns:a16="http://schemas.microsoft.com/office/drawing/2014/main" id="{AFB83402-A7DA-42CA-AABA-970A5B2B1FDE}"/>
               </a:ext>
             </a:extLst>
           </p:cNvPr>
@@ -2061,7 +2061,7 @@
           <p:cNvPr id="4" name="Datumsplatzhalter 3">
             <a:extLst>
               <a:ext uri="{FF2B5EF4-FFF2-40B4-BE49-F238E27FC236}">
-                <a16:creationId xmlns:a16="http://schemas.microsoft.com/office/drawing/2014/main" xmlns="" id="{5643E0C1-AF3B-41F0-86E4-B43FD9DF46DE}"/>
+                <a16:creationId xmlns:a16="http://schemas.microsoft.com/office/drawing/2014/main" id="{5643E0C1-AF3B-41F0-86E4-B43FD9DF46DE}"/>
               </a:ext>
             </a:extLst>
           </p:cNvPr>
@@ -2079,7 +2079,7 @@
           <a:p>
             <a:fld id="{26E24262-B3BF-4B02-8D39-940B2DE5F8CB}" type="datetime1">
               <a:rPr lang="de-DE" smtClean="0"/>
-              <a:t>03.07.2022</a:t>
+              <a:t>04.07.2022</a:t>
             </a:fld>
             <a:endParaRPr lang="de-DE"/>
           </a:p>
@@ -2090,7 +2090,7 @@
           <p:cNvPr id="5" name="Fußzeilenplatzhalter 4">
             <a:extLst>
               <a:ext uri="{FF2B5EF4-FFF2-40B4-BE49-F238E27FC236}">
-                <a16:creationId xmlns:a16="http://schemas.microsoft.com/office/drawing/2014/main" xmlns="" id="{D508BE33-C6D1-4B66-9653-ECCC2CB381BF}"/>
+                <a16:creationId xmlns:a16="http://schemas.microsoft.com/office/drawing/2014/main" id="{D508BE33-C6D1-4B66-9653-ECCC2CB381BF}"/>
               </a:ext>
             </a:extLst>
           </p:cNvPr>
@@ -2115,7 +2115,7 @@
           <p:cNvPr id="6" name="Foliennummernplatzhalter 5">
             <a:extLst>
               <a:ext uri="{FF2B5EF4-FFF2-40B4-BE49-F238E27FC236}">
-                <a16:creationId xmlns:a16="http://schemas.microsoft.com/office/drawing/2014/main" xmlns="" id="{4CE33A14-E48E-4992-BA7D-CB2773A3BE9F}"/>
+                <a16:creationId xmlns:a16="http://schemas.microsoft.com/office/drawing/2014/main" id="{4CE33A14-E48E-4992-BA7D-CB2773A3BE9F}"/>
               </a:ext>
             </a:extLst>
           </p:cNvPr>
@@ -2133,7 +2133,7 @@
           <a:p>
             <a:fld id="{DF58FA25-156B-428B-A75B-54B738B0BEF7}" type="slidenum">
               <a:rPr lang="de-DE" smtClean="0"/>
-              <a:t>‹#›</a:t>
+              <a:t>‹Nr.›</a:t>
             </a:fld>
             <a:endParaRPr lang="de-DE"/>
           </a:p>
@@ -2174,7 +2174,7 @@
           <p:cNvPr id="2" name="Titel 1">
             <a:extLst>
               <a:ext uri="{FF2B5EF4-FFF2-40B4-BE49-F238E27FC236}">
-                <a16:creationId xmlns:a16="http://schemas.microsoft.com/office/drawing/2014/main" xmlns="" id="{D7DBBDC9-42AA-474B-B6B3-3C890A6135E2}"/>
+                <a16:creationId xmlns:a16="http://schemas.microsoft.com/office/drawing/2014/main" id="{D7DBBDC9-42AA-474B-B6B3-3C890A6135E2}"/>
               </a:ext>
             </a:extLst>
           </p:cNvPr>
@@ -2202,7 +2202,7 @@
           <p:cNvPr id="3" name="Inhaltsplatzhalter 2">
             <a:extLst>
               <a:ext uri="{FF2B5EF4-FFF2-40B4-BE49-F238E27FC236}">
-                <a16:creationId xmlns:a16="http://schemas.microsoft.com/office/drawing/2014/main" xmlns="" id="{EF08E45F-643F-4A9C-88B1-3752D2C9603A}"/>
+                <a16:creationId xmlns:a16="http://schemas.microsoft.com/office/drawing/2014/main" id="{EF08E45F-643F-4A9C-88B1-3752D2C9603A}"/>
               </a:ext>
             </a:extLst>
           </p:cNvPr>
@@ -2264,7 +2264,7 @@
           <p:cNvPr id="4" name="Inhaltsplatzhalter 3">
             <a:extLst>
               <a:ext uri="{FF2B5EF4-FFF2-40B4-BE49-F238E27FC236}">
-                <a16:creationId xmlns:a16="http://schemas.microsoft.com/office/drawing/2014/main" xmlns="" id="{E6469A33-F7F7-49D2-B900-C0E14888DD8E}"/>
+                <a16:creationId xmlns:a16="http://schemas.microsoft.com/office/drawing/2014/main" id="{E6469A33-F7F7-49D2-B900-C0E14888DD8E}"/>
               </a:ext>
             </a:extLst>
           </p:cNvPr>
@@ -2326,7 +2326,7 @@
           <p:cNvPr id="5" name="Datumsplatzhalter 4">
             <a:extLst>
               <a:ext uri="{FF2B5EF4-FFF2-40B4-BE49-F238E27FC236}">
-                <a16:creationId xmlns:a16="http://schemas.microsoft.com/office/drawing/2014/main" xmlns="" id="{1748587A-73B9-470E-B66E-A0FCE3015F3F}"/>
+                <a16:creationId xmlns:a16="http://schemas.microsoft.com/office/drawing/2014/main" id="{1748587A-73B9-470E-B66E-A0FCE3015F3F}"/>
               </a:ext>
             </a:extLst>
           </p:cNvPr>
@@ -2344,7 +2344,7 @@
           <a:p>
             <a:fld id="{F08DB7BF-EDE1-461B-953F-946DC4A14CE4}" type="datetime1">
               <a:rPr lang="de-DE" smtClean="0"/>
-              <a:t>03.07.2022</a:t>
+              <a:t>04.07.2022</a:t>
             </a:fld>
             <a:endParaRPr lang="de-DE"/>
           </a:p>
@@ -2355,7 +2355,7 @@
           <p:cNvPr id="6" name="Fußzeilenplatzhalter 5">
             <a:extLst>
               <a:ext uri="{FF2B5EF4-FFF2-40B4-BE49-F238E27FC236}">
-                <a16:creationId xmlns:a16="http://schemas.microsoft.com/office/drawing/2014/main" xmlns="" id="{E0E94689-19F0-4FA4-BA5A-85EBDEE1781C}"/>
+                <a16:creationId xmlns:a16="http://schemas.microsoft.com/office/drawing/2014/main" id="{E0E94689-19F0-4FA4-BA5A-85EBDEE1781C}"/>
               </a:ext>
             </a:extLst>
           </p:cNvPr>
@@ -2380,7 +2380,7 @@
           <p:cNvPr id="7" name="Foliennummernplatzhalter 6">
             <a:extLst>
               <a:ext uri="{FF2B5EF4-FFF2-40B4-BE49-F238E27FC236}">
-                <a16:creationId xmlns:a16="http://schemas.microsoft.com/office/drawing/2014/main" xmlns="" id="{641C32F0-AF46-4B77-B5CB-C27DC36CC5F9}"/>
+                <a16:creationId xmlns:a16="http://schemas.microsoft.com/office/drawing/2014/main" id="{641C32F0-AF46-4B77-B5CB-C27DC36CC5F9}"/>
               </a:ext>
             </a:extLst>
           </p:cNvPr>
@@ -2398,7 +2398,7 @@
           <a:p>
             <a:fld id="{DF58FA25-156B-428B-A75B-54B738B0BEF7}" type="slidenum">
               <a:rPr lang="de-DE" smtClean="0"/>
-              <a:t>‹#›</a:t>
+              <a:t>‹Nr.›</a:t>
             </a:fld>
             <a:endParaRPr lang="de-DE"/>
           </a:p>
@@ -2439,7 +2439,7 @@
           <p:cNvPr id="2" name="Titel 1">
             <a:extLst>
               <a:ext uri="{FF2B5EF4-FFF2-40B4-BE49-F238E27FC236}">
-                <a16:creationId xmlns:a16="http://schemas.microsoft.com/office/drawing/2014/main" xmlns="" id="{36F698C0-4DD3-4DA0-A09E-F4570D7CCB71}"/>
+                <a16:creationId xmlns:a16="http://schemas.microsoft.com/office/drawing/2014/main" id="{36F698C0-4DD3-4DA0-A09E-F4570D7CCB71}"/>
               </a:ext>
             </a:extLst>
           </p:cNvPr>
@@ -2472,7 +2472,7 @@
           <p:cNvPr id="3" name="Textplatzhalter 2">
             <a:extLst>
               <a:ext uri="{FF2B5EF4-FFF2-40B4-BE49-F238E27FC236}">
-                <a16:creationId xmlns:a16="http://schemas.microsoft.com/office/drawing/2014/main" xmlns="" id="{6B7B2AAD-95B1-469D-B743-AA699451CE0D}"/>
+                <a16:creationId xmlns:a16="http://schemas.microsoft.com/office/drawing/2014/main" id="{6B7B2AAD-95B1-469D-B743-AA699451CE0D}"/>
               </a:ext>
             </a:extLst>
           </p:cNvPr>
@@ -2543,7 +2543,7 @@
           <p:cNvPr id="4" name="Inhaltsplatzhalter 3">
             <a:extLst>
               <a:ext uri="{FF2B5EF4-FFF2-40B4-BE49-F238E27FC236}">
-                <a16:creationId xmlns:a16="http://schemas.microsoft.com/office/drawing/2014/main" xmlns="" id="{9F747742-71CB-4D7D-98A0-D773250A7C75}"/>
+                <a16:creationId xmlns:a16="http://schemas.microsoft.com/office/drawing/2014/main" id="{9F747742-71CB-4D7D-98A0-D773250A7C75}"/>
               </a:ext>
             </a:extLst>
           </p:cNvPr>
@@ -2605,7 +2605,7 @@
           <p:cNvPr id="5" name="Textplatzhalter 4">
             <a:extLst>
               <a:ext uri="{FF2B5EF4-FFF2-40B4-BE49-F238E27FC236}">
-                <a16:creationId xmlns:a16="http://schemas.microsoft.com/office/drawing/2014/main" xmlns="" id="{F467DBD8-BBDC-4991-9253-900ED8E5C68A}"/>
+                <a16:creationId xmlns:a16="http://schemas.microsoft.com/office/drawing/2014/main" id="{F467DBD8-BBDC-4991-9253-900ED8E5C68A}"/>
               </a:ext>
             </a:extLst>
           </p:cNvPr>
@@ -2676,7 +2676,7 @@
           <p:cNvPr id="6" name="Inhaltsplatzhalter 5">
             <a:extLst>
               <a:ext uri="{FF2B5EF4-FFF2-40B4-BE49-F238E27FC236}">
-                <a16:creationId xmlns:a16="http://schemas.microsoft.com/office/drawing/2014/main" xmlns="" id="{ECA8D78F-6AB1-47EA-921C-C4BB11427A0B}"/>
+                <a16:creationId xmlns:a16="http://schemas.microsoft.com/office/drawing/2014/main" id="{ECA8D78F-6AB1-47EA-921C-C4BB11427A0B}"/>
               </a:ext>
             </a:extLst>
           </p:cNvPr>
@@ -2738,7 +2738,7 @@
           <p:cNvPr id="7" name="Datumsplatzhalter 6">
             <a:extLst>
               <a:ext uri="{FF2B5EF4-FFF2-40B4-BE49-F238E27FC236}">
-                <a16:creationId xmlns:a16="http://schemas.microsoft.com/office/drawing/2014/main" xmlns="" id="{24BF8C95-FA9F-4F10-9505-77E26F4E45DD}"/>
+                <a16:creationId xmlns:a16="http://schemas.microsoft.com/office/drawing/2014/main" id="{24BF8C95-FA9F-4F10-9505-77E26F4E45DD}"/>
               </a:ext>
             </a:extLst>
           </p:cNvPr>
@@ -2756,7 +2756,7 @@
           <a:p>
             <a:fld id="{F6672DED-E9DC-4DB0-8B7D-C6668A7AD1BB}" type="datetime1">
               <a:rPr lang="de-DE" smtClean="0"/>
-              <a:t>03.07.2022</a:t>
+              <a:t>04.07.2022</a:t>
             </a:fld>
             <a:endParaRPr lang="de-DE"/>
           </a:p>
@@ -2767,7 +2767,7 @@
           <p:cNvPr id="8" name="Fußzeilenplatzhalter 7">
             <a:extLst>
               <a:ext uri="{FF2B5EF4-FFF2-40B4-BE49-F238E27FC236}">
-                <a16:creationId xmlns:a16="http://schemas.microsoft.com/office/drawing/2014/main" xmlns="" id="{D1613883-66DC-496D-A6AB-69332EA2384C}"/>
+                <a16:creationId xmlns:a16="http://schemas.microsoft.com/office/drawing/2014/main" id="{D1613883-66DC-496D-A6AB-69332EA2384C}"/>
               </a:ext>
             </a:extLst>
           </p:cNvPr>
@@ -2792,7 +2792,7 @@
           <p:cNvPr id="9" name="Foliennummernplatzhalter 8">
             <a:extLst>
               <a:ext uri="{FF2B5EF4-FFF2-40B4-BE49-F238E27FC236}">
-                <a16:creationId xmlns:a16="http://schemas.microsoft.com/office/drawing/2014/main" xmlns="" id="{4263F17A-12E9-4863-99B8-AD8698361FF0}"/>
+                <a16:creationId xmlns:a16="http://schemas.microsoft.com/office/drawing/2014/main" id="{4263F17A-12E9-4863-99B8-AD8698361FF0}"/>
               </a:ext>
             </a:extLst>
           </p:cNvPr>
@@ -2810,7 +2810,7 @@
           <a:p>
             <a:fld id="{DF58FA25-156B-428B-A75B-54B738B0BEF7}" type="slidenum">
               <a:rPr lang="de-DE" smtClean="0"/>
-              <a:t>‹#›</a:t>
+              <a:t>‹Nr.›</a:t>
             </a:fld>
             <a:endParaRPr lang="de-DE"/>
           </a:p>
@@ -2851,7 +2851,7 @@
           <p:cNvPr id="2" name="Titel 1">
             <a:extLst>
               <a:ext uri="{FF2B5EF4-FFF2-40B4-BE49-F238E27FC236}">
-                <a16:creationId xmlns:a16="http://schemas.microsoft.com/office/drawing/2014/main" xmlns="" id="{61037CA4-FD16-44CA-83E3-9F65E55005FD}"/>
+                <a16:creationId xmlns:a16="http://schemas.microsoft.com/office/drawing/2014/main" id="{61037CA4-FD16-44CA-83E3-9F65E55005FD}"/>
               </a:ext>
             </a:extLst>
           </p:cNvPr>
@@ -2879,7 +2879,7 @@
           <p:cNvPr id="3" name="Datumsplatzhalter 2">
             <a:extLst>
               <a:ext uri="{FF2B5EF4-FFF2-40B4-BE49-F238E27FC236}">
-                <a16:creationId xmlns:a16="http://schemas.microsoft.com/office/drawing/2014/main" xmlns="" id="{1E855BCA-26AF-4EB0-86F8-2EAE94C77307}"/>
+                <a16:creationId xmlns:a16="http://schemas.microsoft.com/office/drawing/2014/main" id="{1E855BCA-26AF-4EB0-86F8-2EAE94C77307}"/>
               </a:ext>
             </a:extLst>
           </p:cNvPr>
@@ -2897,7 +2897,7 @@
           <a:p>
             <a:fld id="{151529D1-9679-47C1-AB78-8399A20BA7A8}" type="datetime1">
               <a:rPr lang="de-DE" smtClean="0"/>
-              <a:t>03.07.2022</a:t>
+              <a:t>04.07.2022</a:t>
             </a:fld>
             <a:endParaRPr lang="de-DE"/>
           </a:p>
@@ -2908,7 +2908,7 @@
           <p:cNvPr id="4" name="Fußzeilenplatzhalter 3">
             <a:extLst>
               <a:ext uri="{FF2B5EF4-FFF2-40B4-BE49-F238E27FC236}">
-                <a16:creationId xmlns:a16="http://schemas.microsoft.com/office/drawing/2014/main" xmlns="" id="{E745CC5C-2A0B-4FCE-872A-460FACF081B2}"/>
+                <a16:creationId xmlns:a16="http://schemas.microsoft.com/office/drawing/2014/main" id="{E745CC5C-2A0B-4FCE-872A-460FACF081B2}"/>
               </a:ext>
             </a:extLst>
           </p:cNvPr>
@@ -2933,7 +2933,7 @@
           <p:cNvPr id="5" name="Foliennummernplatzhalter 4">
             <a:extLst>
               <a:ext uri="{FF2B5EF4-FFF2-40B4-BE49-F238E27FC236}">
-                <a16:creationId xmlns:a16="http://schemas.microsoft.com/office/drawing/2014/main" xmlns="" id="{4B6EC8E2-3787-4E12-8A21-EB50393F15B1}"/>
+                <a16:creationId xmlns:a16="http://schemas.microsoft.com/office/drawing/2014/main" id="{4B6EC8E2-3787-4E12-8A21-EB50393F15B1}"/>
               </a:ext>
             </a:extLst>
           </p:cNvPr>
@@ -2951,7 +2951,7 @@
           <a:p>
             <a:fld id="{DF58FA25-156B-428B-A75B-54B738B0BEF7}" type="slidenum">
               <a:rPr lang="de-DE" smtClean="0"/>
-              <a:t>‹#›</a:t>
+              <a:t>‹Nr.›</a:t>
             </a:fld>
             <a:endParaRPr lang="de-DE"/>
           </a:p>
@@ -2992,7 +2992,7 @@
           <p:cNvPr id="2" name="Datumsplatzhalter 1">
             <a:extLst>
               <a:ext uri="{FF2B5EF4-FFF2-40B4-BE49-F238E27FC236}">
-                <a16:creationId xmlns:a16="http://schemas.microsoft.com/office/drawing/2014/main" xmlns="" id="{472E1E55-5540-483A-938C-ECD6FE033A6B}"/>
+                <a16:creationId xmlns:a16="http://schemas.microsoft.com/office/drawing/2014/main" id="{472E1E55-5540-483A-938C-ECD6FE033A6B}"/>
               </a:ext>
             </a:extLst>
           </p:cNvPr>
@@ -3010,7 +3010,7 @@
           <a:p>
             <a:fld id="{B0C8CB00-37F1-459E-B13E-53FD80F908E4}" type="datetime1">
               <a:rPr lang="de-DE" smtClean="0"/>
-              <a:t>03.07.2022</a:t>
+              <a:t>04.07.2022</a:t>
             </a:fld>
             <a:endParaRPr lang="de-DE"/>
           </a:p>
@@ -3021,7 +3021,7 @@
           <p:cNvPr id="3" name="Fußzeilenplatzhalter 2">
             <a:extLst>
               <a:ext uri="{FF2B5EF4-FFF2-40B4-BE49-F238E27FC236}">
-                <a16:creationId xmlns:a16="http://schemas.microsoft.com/office/drawing/2014/main" xmlns="" id="{A2374A5B-5D91-4425-90EB-883AD09250A8}"/>
+                <a16:creationId xmlns:a16="http://schemas.microsoft.com/office/drawing/2014/main" id="{A2374A5B-5D91-4425-90EB-883AD09250A8}"/>
               </a:ext>
             </a:extLst>
           </p:cNvPr>
@@ -3046,7 +3046,7 @@
           <p:cNvPr id="4" name="Foliennummernplatzhalter 3">
             <a:extLst>
               <a:ext uri="{FF2B5EF4-FFF2-40B4-BE49-F238E27FC236}">
-                <a16:creationId xmlns:a16="http://schemas.microsoft.com/office/drawing/2014/main" xmlns="" id="{1813B27D-8AC3-4D1A-8989-DDA1070C5FA9}"/>
+                <a16:creationId xmlns:a16="http://schemas.microsoft.com/office/drawing/2014/main" id="{1813B27D-8AC3-4D1A-8989-DDA1070C5FA9}"/>
               </a:ext>
             </a:extLst>
           </p:cNvPr>
@@ -3064,7 +3064,7 @@
           <a:p>
             <a:fld id="{DF58FA25-156B-428B-A75B-54B738B0BEF7}" type="slidenum">
               <a:rPr lang="de-DE" smtClean="0"/>
-              <a:t>‹#›</a:t>
+              <a:t>‹Nr.›</a:t>
             </a:fld>
             <a:endParaRPr lang="de-DE"/>
           </a:p>
@@ -3105,7 +3105,7 @@
           <p:cNvPr id="2" name="Titel 1">
             <a:extLst>
               <a:ext uri="{FF2B5EF4-FFF2-40B4-BE49-F238E27FC236}">
-                <a16:creationId xmlns:a16="http://schemas.microsoft.com/office/drawing/2014/main" xmlns="" id="{BB6FE1C0-6DAA-4195-86AC-E81B73B39FD4}"/>
+                <a16:creationId xmlns:a16="http://schemas.microsoft.com/office/drawing/2014/main" id="{BB6FE1C0-6DAA-4195-86AC-E81B73B39FD4}"/>
               </a:ext>
             </a:extLst>
           </p:cNvPr>
@@ -3142,7 +3142,7 @@
           <p:cNvPr id="3" name="Inhaltsplatzhalter 2">
             <a:extLst>
               <a:ext uri="{FF2B5EF4-FFF2-40B4-BE49-F238E27FC236}">
-                <a16:creationId xmlns:a16="http://schemas.microsoft.com/office/drawing/2014/main" xmlns="" id="{D5901990-3BC2-4BFA-87A6-564A82D80A58}"/>
+                <a16:creationId xmlns:a16="http://schemas.microsoft.com/office/drawing/2014/main" id="{D5901990-3BC2-4BFA-87A6-564A82D80A58}"/>
               </a:ext>
             </a:extLst>
           </p:cNvPr>
@@ -3232,7 +3232,7 @@
           <p:cNvPr id="4" name="Textplatzhalter 3">
             <a:extLst>
               <a:ext uri="{FF2B5EF4-FFF2-40B4-BE49-F238E27FC236}">
-                <a16:creationId xmlns:a16="http://schemas.microsoft.com/office/drawing/2014/main" xmlns="" id="{3C854EBF-DE89-4702-A606-DF4841C7642F}"/>
+                <a16:creationId xmlns:a16="http://schemas.microsoft.com/office/drawing/2014/main" id="{3C854EBF-DE89-4702-A606-DF4841C7642F}"/>
               </a:ext>
             </a:extLst>
           </p:cNvPr>
@@ -3303,7 +3303,7 @@
           <p:cNvPr id="5" name="Datumsplatzhalter 4">
             <a:extLst>
               <a:ext uri="{FF2B5EF4-FFF2-40B4-BE49-F238E27FC236}">
-                <a16:creationId xmlns:a16="http://schemas.microsoft.com/office/drawing/2014/main" xmlns="" id="{7B85E189-8F72-4095-94F7-50B979C11103}"/>
+                <a16:creationId xmlns:a16="http://schemas.microsoft.com/office/drawing/2014/main" id="{7B85E189-8F72-4095-94F7-50B979C11103}"/>
               </a:ext>
             </a:extLst>
           </p:cNvPr>
@@ -3321,7 +3321,7 @@
           <a:p>
             <a:fld id="{962656E5-2165-46AD-8872-F250B3890984}" type="datetime1">
               <a:rPr lang="de-DE" smtClean="0"/>
-              <a:t>03.07.2022</a:t>
+              <a:t>04.07.2022</a:t>
             </a:fld>
             <a:endParaRPr lang="de-DE"/>
           </a:p>
@@ -3332,7 +3332,7 @@
           <p:cNvPr id="6" name="Fußzeilenplatzhalter 5">
             <a:extLst>
               <a:ext uri="{FF2B5EF4-FFF2-40B4-BE49-F238E27FC236}">
-                <a16:creationId xmlns:a16="http://schemas.microsoft.com/office/drawing/2014/main" xmlns="" id="{46DB5BFF-199A-4111-A41D-2FA661F084AF}"/>
+                <a16:creationId xmlns:a16="http://schemas.microsoft.com/office/drawing/2014/main" id="{46DB5BFF-199A-4111-A41D-2FA661F084AF}"/>
               </a:ext>
             </a:extLst>
           </p:cNvPr>
@@ -3357,7 +3357,7 @@
           <p:cNvPr id="7" name="Foliennummernplatzhalter 6">
             <a:extLst>
               <a:ext uri="{FF2B5EF4-FFF2-40B4-BE49-F238E27FC236}">
-                <a16:creationId xmlns:a16="http://schemas.microsoft.com/office/drawing/2014/main" xmlns="" id="{877741B2-26DB-4168-BDF3-ABBFC73DB850}"/>
+                <a16:creationId xmlns:a16="http://schemas.microsoft.com/office/drawing/2014/main" id="{877741B2-26DB-4168-BDF3-ABBFC73DB850}"/>
               </a:ext>
             </a:extLst>
           </p:cNvPr>
@@ -3375,7 +3375,7 @@
           <a:p>
             <a:fld id="{DF58FA25-156B-428B-A75B-54B738B0BEF7}" type="slidenum">
               <a:rPr lang="de-DE" smtClean="0"/>
-              <a:t>‹#›</a:t>
+              <a:t>‹Nr.›</a:t>
             </a:fld>
             <a:endParaRPr lang="de-DE"/>
           </a:p>
@@ -3416,7 +3416,7 @@
           <p:cNvPr id="2" name="Titel 1">
             <a:extLst>
               <a:ext uri="{FF2B5EF4-FFF2-40B4-BE49-F238E27FC236}">
-                <a16:creationId xmlns:a16="http://schemas.microsoft.com/office/drawing/2014/main" xmlns="" id="{73B18BB1-316D-4570-8A70-DD5CBCBC9B2B}"/>
+                <a16:creationId xmlns:a16="http://schemas.microsoft.com/office/drawing/2014/main" id="{73B18BB1-316D-4570-8A70-DD5CBCBC9B2B}"/>
               </a:ext>
             </a:extLst>
           </p:cNvPr>
@@ -3453,7 +3453,7 @@
           <p:cNvPr id="3" name="Bildplatzhalter 2">
             <a:extLst>
               <a:ext uri="{FF2B5EF4-FFF2-40B4-BE49-F238E27FC236}">
-                <a16:creationId xmlns:a16="http://schemas.microsoft.com/office/drawing/2014/main" xmlns="" id="{539063D0-9ACD-4E08-9218-F923BB042C8C}"/>
+                <a16:creationId xmlns:a16="http://schemas.microsoft.com/office/drawing/2014/main" id="{539063D0-9ACD-4E08-9218-F923BB042C8C}"/>
               </a:ext>
             </a:extLst>
           </p:cNvPr>
@@ -3520,7 +3520,7 @@
           <p:cNvPr id="4" name="Textplatzhalter 3">
             <a:extLst>
               <a:ext uri="{FF2B5EF4-FFF2-40B4-BE49-F238E27FC236}">
-                <a16:creationId xmlns:a16="http://schemas.microsoft.com/office/drawing/2014/main" xmlns="" id="{44BB36CC-7A6E-42B0-8177-3E0A40867205}"/>
+                <a16:creationId xmlns:a16="http://schemas.microsoft.com/office/drawing/2014/main" id="{44BB36CC-7A6E-42B0-8177-3E0A40867205}"/>
               </a:ext>
             </a:extLst>
           </p:cNvPr>
@@ -3591,7 +3591,7 @@
           <p:cNvPr id="5" name="Datumsplatzhalter 4">
             <a:extLst>
               <a:ext uri="{FF2B5EF4-FFF2-40B4-BE49-F238E27FC236}">
-                <a16:creationId xmlns:a16="http://schemas.microsoft.com/office/drawing/2014/main" xmlns="" id="{69BF362F-EBFB-4B35-AD09-B26DBEBF6EAD}"/>
+                <a16:creationId xmlns:a16="http://schemas.microsoft.com/office/drawing/2014/main" id="{69BF362F-EBFB-4B35-AD09-B26DBEBF6EAD}"/>
               </a:ext>
             </a:extLst>
           </p:cNvPr>
@@ -3609,7 +3609,7 @@
           <a:p>
             <a:fld id="{7F06984E-DD2E-4AE1-9495-8CCA503E945E}" type="datetime1">
               <a:rPr lang="de-DE" smtClean="0"/>
-              <a:t>03.07.2022</a:t>
+              <a:t>04.07.2022</a:t>
             </a:fld>
             <a:endParaRPr lang="de-DE"/>
           </a:p>
@@ -3620,7 +3620,7 @@
           <p:cNvPr id="6" name="Fußzeilenplatzhalter 5">
             <a:extLst>
               <a:ext uri="{FF2B5EF4-FFF2-40B4-BE49-F238E27FC236}">
-                <a16:creationId xmlns:a16="http://schemas.microsoft.com/office/drawing/2014/main" xmlns="" id="{2E219966-BC0F-4125-8697-1F877365151E}"/>
+                <a16:creationId xmlns:a16="http://schemas.microsoft.com/office/drawing/2014/main" id="{2E219966-BC0F-4125-8697-1F877365151E}"/>
               </a:ext>
             </a:extLst>
           </p:cNvPr>
@@ -3645,7 +3645,7 @@
           <p:cNvPr id="7" name="Foliennummernplatzhalter 6">
             <a:extLst>
               <a:ext uri="{FF2B5EF4-FFF2-40B4-BE49-F238E27FC236}">
-                <a16:creationId xmlns:a16="http://schemas.microsoft.com/office/drawing/2014/main" xmlns="" id="{533B2F53-265E-4BAB-A9C0-9C9FF9B2CD18}"/>
+                <a16:creationId xmlns:a16="http://schemas.microsoft.com/office/drawing/2014/main" id="{533B2F53-265E-4BAB-A9C0-9C9FF9B2CD18}"/>
               </a:ext>
             </a:extLst>
           </p:cNvPr>
@@ -3663,7 +3663,7 @@
           <a:p>
             <a:fld id="{DF58FA25-156B-428B-A75B-54B738B0BEF7}" type="slidenum">
               <a:rPr lang="de-DE" smtClean="0"/>
-              <a:t>‹#›</a:t>
+              <a:t>‹Nr.›</a:t>
             </a:fld>
             <a:endParaRPr lang="de-DE"/>
           </a:p>
@@ -3709,7 +3709,7 @@
           <p:cNvPr id="2" name="Titelplatzhalter 1">
             <a:extLst>
               <a:ext uri="{FF2B5EF4-FFF2-40B4-BE49-F238E27FC236}">
-                <a16:creationId xmlns:a16="http://schemas.microsoft.com/office/drawing/2014/main" xmlns="" id="{A3F29CDB-879D-41C3-8CF9-6B783AC27AE8}"/>
+                <a16:creationId xmlns:a16="http://schemas.microsoft.com/office/drawing/2014/main" id="{A3F29CDB-879D-41C3-8CF9-6B783AC27AE8}"/>
               </a:ext>
             </a:extLst>
           </p:cNvPr>
@@ -3747,7 +3747,7 @@
           <p:cNvPr id="3" name="Textplatzhalter 2">
             <a:extLst>
               <a:ext uri="{FF2B5EF4-FFF2-40B4-BE49-F238E27FC236}">
-                <a16:creationId xmlns:a16="http://schemas.microsoft.com/office/drawing/2014/main" xmlns="" id="{07C3F747-4553-441D-9A59-A179A6C8C72B}"/>
+                <a16:creationId xmlns:a16="http://schemas.microsoft.com/office/drawing/2014/main" id="{07C3F747-4553-441D-9A59-A179A6C8C72B}"/>
               </a:ext>
             </a:extLst>
           </p:cNvPr>
@@ -3814,7 +3814,7 @@
           <p:cNvPr id="4" name="Datumsplatzhalter 3">
             <a:extLst>
               <a:ext uri="{FF2B5EF4-FFF2-40B4-BE49-F238E27FC236}">
-                <a16:creationId xmlns:a16="http://schemas.microsoft.com/office/drawing/2014/main" xmlns="" id="{83470060-353B-434A-B7CC-33FBD49828AA}"/>
+                <a16:creationId xmlns:a16="http://schemas.microsoft.com/office/drawing/2014/main" id="{83470060-353B-434A-B7CC-33FBD49828AA}"/>
               </a:ext>
             </a:extLst>
           </p:cNvPr>
@@ -3851,7 +3851,7 @@
             <a:fld id="{F53A2B2D-7944-41FB-9249-083B5889C651}" type="datetime1">
               <a:rPr lang="de-DE" smtClean="0"/>
               <a:pPr/>
-              <a:t>03.07.2022</a:t>
+              <a:t>04.07.2022</a:t>
             </a:fld>
             <a:endParaRPr lang="de-DE"/>
           </a:p>
@@ -3862,7 +3862,7 @@
           <p:cNvPr id="5" name="Fußzeilenplatzhalter 4">
             <a:extLst>
               <a:ext uri="{FF2B5EF4-FFF2-40B4-BE49-F238E27FC236}">
-                <a16:creationId xmlns:a16="http://schemas.microsoft.com/office/drawing/2014/main" xmlns="" id="{793047DD-B4DA-48AE-9813-BA5BB26F6BD8}"/>
+                <a16:creationId xmlns:a16="http://schemas.microsoft.com/office/drawing/2014/main" id="{793047DD-B4DA-48AE-9813-BA5BB26F6BD8}"/>
               </a:ext>
             </a:extLst>
           </p:cNvPr>
@@ -3905,7 +3905,7 @@
           <p:cNvPr id="6" name="Foliennummernplatzhalter 5">
             <a:extLst>
               <a:ext uri="{FF2B5EF4-FFF2-40B4-BE49-F238E27FC236}">
-                <a16:creationId xmlns:a16="http://schemas.microsoft.com/office/drawing/2014/main" xmlns="" id="{1FB4E430-5754-4B82-BF95-E52C81F03426}"/>
+                <a16:creationId xmlns:a16="http://schemas.microsoft.com/office/drawing/2014/main" id="{1FB4E430-5754-4B82-BF95-E52C81F03426}"/>
               </a:ext>
             </a:extLst>
           </p:cNvPr>
@@ -3942,7 +3942,7 @@
             <a:fld id="{DF58FA25-156B-428B-A75B-54B738B0BEF7}" type="slidenum">
               <a:rPr lang="de-DE" smtClean="0"/>
               <a:pPr/>
-              <a:t>‹#›</a:t>
+              <a:t>‹Nr.›</a:t>
             </a:fld>
             <a:endParaRPr lang="de-DE"/>
           </a:p>
@@ -4275,7 +4275,7 @@
           <p:cNvPr id="4" name="Rechteck 3">
             <a:extLst>
               <a:ext uri="{FF2B5EF4-FFF2-40B4-BE49-F238E27FC236}">
-                <a16:creationId xmlns:a16="http://schemas.microsoft.com/office/drawing/2014/main" xmlns="" id="{25BC0F38-C5EA-4A88-B161-F0A7D0C230D8}"/>
+                <a16:creationId xmlns:a16="http://schemas.microsoft.com/office/drawing/2014/main" id="{25BC0F38-C5EA-4A88-B161-F0A7D0C230D8}"/>
               </a:ext>
             </a:extLst>
           </p:cNvPr>
@@ -4327,7 +4327,7 @@
           <p:cNvPr id="2" name="Textfeld 1">
             <a:extLst>
               <a:ext uri="{FF2B5EF4-FFF2-40B4-BE49-F238E27FC236}">
-                <a16:creationId xmlns:a16="http://schemas.microsoft.com/office/drawing/2014/main" xmlns="" id="{1017C281-9103-4001-B331-1945313A1AF6}"/>
+                <a16:creationId xmlns:a16="http://schemas.microsoft.com/office/drawing/2014/main" id="{1017C281-9103-4001-B331-1945313A1AF6}"/>
               </a:ext>
             </a:extLst>
           </p:cNvPr>
@@ -4378,7 +4378,7 @@
           <p:cNvPr id="6" name="Datumsplatzhalter 5">
             <a:extLst>
               <a:ext uri="{FF2B5EF4-FFF2-40B4-BE49-F238E27FC236}">
-                <a16:creationId xmlns:a16="http://schemas.microsoft.com/office/drawing/2014/main" xmlns="" id="{FDCCC8AF-1AAB-C0A1-31EF-8F84C928CCB9}"/>
+                <a16:creationId xmlns:a16="http://schemas.microsoft.com/office/drawing/2014/main" id="{FDCCC8AF-1AAB-C0A1-31EF-8F84C928CCB9}"/>
               </a:ext>
             </a:extLst>
           </p:cNvPr>
@@ -4396,7 +4396,7 @@
           <a:p>
             <a:fld id="{4BEA33E4-8E85-499A-BD28-A802FFFCDA60}" type="datetime1">
               <a:rPr lang="de-DE" smtClean="0"/>
-              <a:t>03.07.2022</a:t>
+              <a:t>04.07.2022</a:t>
             </a:fld>
             <a:endParaRPr lang="de-DE" dirty="0"/>
           </a:p>
@@ -4407,7 +4407,7 @@
           <p:cNvPr id="7" name="Foliennummernplatzhalter 6">
             <a:extLst>
               <a:ext uri="{FF2B5EF4-FFF2-40B4-BE49-F238E27FC236}">
-                <a16:creationId xmlns:a16="http://schemas.microsoft.com/office/drawing/2014/main" xmlns="" id="{05E3FBCF-D950-F55D-4E1A-C539DFC85CCF}"/>
+                <a16:creationId xmlns:a16="http://schemas.microsoft.com/office/drawing/2014/main" id="{05E3FBCF-D950-F55D-4E1A-C539DFC85CCF}"/>
               </a:ext>
             </a:extLst>
           </p:cNvPr>
@@ -4436,7 +4436,7 @@
           <p:cNvPr id="5" name="Textfeld 4">
             <a:extLst>
               <a:ext uri="{FF2B5EF4-FFF2-40B4-BE49-F238E27FC236}">
-                <a16:creationId xmlns:a16="http://schemas.microsoft.com/office/drawing/2014/main" xmlns="" id="{1D4977A9-7A1A-9413-3BAF-D9D9BB392C86}"/>
+                <a16:creationId xmlns:a16="http://schemas.microsoft.com/office/drawing/2014/main" id="{1D4977A9-7A1A-9413-3BAF-D9D9BB392C86}"/>
               </a:ext>
             </a:extLst>
           </p:cNvPr>
@@ -4521,7 +4521,7 @@
           <p:cNvPr id="9" name="Textfeld 8">
             <a:extLst>
               <a:ext uri="{FF2B5EF4-FFF2-40B4-BE49-F238E27FC236}">
-                <a16:creationId xmlns:a16="http://schemas.microsoft.com/office/drawing/2014/main" xmlns="" id="{99EF8AE6-2CAB-42B6-ADF7-989657C39A05}"/>
+                <a16:creationId xmlns:a16="http://schemas.microsoft.com/office/drawing/2014/main" id="{99EF8AE6-2CAB-42B6-ADF7-989657C39A05}"/>
               </a:ext>
             </a:extLst>
           </p:cNvPr>
@@ -4560,7 +4560,7 @@
           <p:cNvPr id="6" name="Datumsplatzhalter 5">
             <a:extLst>
               <a:ext uri="{FF2B5EF4-FFF2-40B4-BE49-F238E27FC236}">
-                <a16:creationId xmlns:a16="http://schemas.microsoft.com/office/drawing/2014/main" xmlns="" id="{48E9D077-55B2-E647-DBC0-A50E75AECD14}"/>
+                <a16:creationId xmlns:a16="http://schemas.microsoft.com/office/drawing/2014/main" id="{48E9D077-55B2-E647-DBC0-A50E75AECD14}"/>
               </a:ext>
             </a:extLst>
           </p:cNvPr>
@@ -4578,7 +4578,7 @@
           <a:p>
             <a:fld id="{4F0E9D1D-345F-4EE0-8A6C-79738B73EA47}" type="datetime1">
               <a:rPr lang="de-DE" smtClean="0"/>
-              <a:t>03.07.2022</a:t>
+              <a:t>04.07.2022</a:t>
             </a:fld>
             <a:endParaRPr lang="de-DE"/>
           </a:p>
@@ -4589,7 +4589,7 @@
           <p:cNvPr id="8" name="Foliennummernplatzhalter 7">
             <a:extLst>
               <a:ext uri="{FF2B5EF4-FFF2-40B4-BE49-F238E27FC236}">
-                <a16:creationId xmlns:a16="http://schemas.microsoft.com/office/drawing/2014/main" xmlns="" id="{3D89841E-9B6D-C73E-D67C-854130A63724}"/>
+                <a16:creationId xmlns:a16="http://schemas.microsoft.com/office/drawing/2014/main" id="{3D89841E-9B6D-C73E-D67C-854130A63724}"/>
               </a:ext>
             </a:extLst>
           </p:cNvPr>
@@ -4618,7 +4618,7 @@
           <p:cNvPr id="5" name="Grafik 4">
             <a:extLst>
               <a:ext uri="{FF2B5EF4-FFF2-40B4-BE49-F238E27FC236}">
-                <a16:creationId xmlns:a16="http://schemas.microsoft.com/office/drawing/2014/main" xmlns="" id="{C1A362DF-0A2D-1E08-F470-78A9CF3C7A62}"/>
+                <a16:creationId xmlns:a16="http://schemas.microsoft.com/office/drawing/2014/main" id="{C1A362DF-0A2D-1E08-F470-78A9CF3C7A62}"/>
               </a:ext>
             </a:extLst>
           </p:cNvPr>
@@ -4684,7 +4684,7 @@
           <p:cNvPr id="9" name="Textfeld 8">
             <a:extLst>
               <a:ext uri="{FF2B5EF4-FFF2-40B4-BE49-F238E27FC236}">
-                <a16:creationId xmlns:a16="http://schemas.microsoft.com/office/drawing/2014/main" xmlns="" id="{99EF8AE6-2CAB-42B6-ADF7-989657C39A05}"/>
+                <a16:creationId xmlns:a16="http://schemas.microsoft.com/office/drawing/2014/main" id="{99EF8AE6-2CAB-42B6-ADF7-989657C39A05}"/>
               </a:ext>
             </a:extLst>
           </p:cNvPr>
@@ -4723,7 +4723,7 @@
           <p:cNvPr id="6" name="Datumsplatzhalter 5">
             <a:extLst>
               <a:ext uri="{FF2B5EF4-FFF2-40B4-BE49-F238E27FC236}">
-                <a16:creationId xmlns:a16="http://schemas.microsoft.com/office/drawing/2014/main" xmlns="" id="{48E9D077-55B2-E647-DBC0-A50E75AECD14}"/>
+                <a16:creationId xmlns:a16="http://schemas.microsoft.com/office/drawing/2014/main" id="{48E9D077-55B2-E647-DBC0-A50E75AECD14}"/>
               </a:ext>
             </a:extLst>
           </p:cNvPr>
@@ -4741,7 +4741,7 @@
           <a:p>
             <a:fld id="{4F0E9D1D-345F-4EE0-8A6C-79738B73EA47}" type="datetime1">
               <a:rPr lang="de-DE" smtClean="0"/>
-              <a:t>03.07.2022</a:t>
+              <a:t>04.07.2022</a:t>
             </a:fld>
             <a:endParaRPr lang="de-DE"/>
           </a:p>
@@ -4752,7 +4752,7 @@
           <p:cNvPr id="8" name="Foliennummernplatzhalter 7">
             <a:extLst>
               <a:ext uri="{FF2B5EF4-FFF2-40B4-BE49-F238E27FC236}">
-                <a16:creationId xmlns:a16="http://schemas.microsoft.com/office/drawing/2014/main" xmlns="" id="{3D89841E-9B6D-C73E-D67C-854130A63724}"/>
+                <a16:creationId xmlns:a16="http://schemas.microsoft.com/office/drawing/2014/main" id="{3D89841E-9B6D-C73E-D67C-854130A63724}"/>
               </a:ext>
             </a:extLst>
           </p:cNvPr>
@@ -4781,7 +4781,7 @@
           <p:cNvPr id="3" name="Grafik 2">
             <a:extLst>
               <a:ext uri="{FF2B5EF4-FFF2-40B4-BE49-F238E27FC236}">
-                <a16:creationId xmlns:a16="http://schemas.microsoft.com/office/drawing/2014/main" xmlns="" id="{56703D57-62B6-3C65-4F34-B7F53E1F7FED}"/>
+                <a16:creationId xmlns:a16="http://schemas.microsoft.com/office/drawing/2014/main" id="{56703D57-62B6-3C65-4F34-B7F53E1F7FED}"/>
               </a:ext>
             </a:extLst>
           </p:cNvPr>
@@ -4847,7 +4847,7 @@
           <p:cNvPr id="9" name="Textfeld 8">
             <a:extLst>
               <a:ext uri="{FF2B5EF4-FFF2-40B4-BE49-F238E27FC236}">
-                <a16:creationId xmlns:a16="http://schemas.microsoft.com/office/drawing/2014/main" xmlns="" id="{99EF8AE6-2CAB-42B6-ADF7-989657C39A05}"/>
+                <a16:creationId xmlns:a16="http://schemas.microsoft.com/office/drawing/2014/main" id="{99EF8AE6-2CAB-42B6-ADF7-989657C39A05}"/>
               </a:ext>
             </a:extLst>
           </p:cNvPr>
@@ -4886,7 +4886,7 @@
           <p:cNvPr id="6" name="Datumsplatzhalter 5">
             <a:extLst>
               <a:ext uri="{FF2B5EF4-FFF2-40B4-BE49-F238E27FC236}">
-                <a16:creationId xmlns:a16="http://schemas.microsoft.com/office/drawing/2014/main" xmlns="" id="{48E9D077-55B2-E647-DBC0-A50E75AECD14}"/>
+                <a16:creationId xmlns:a16="http://schemas.microsoft.com/office/drawing/2014/main" id="{48E9D077-55B2-E647-DBC0-A50E75AECD14}"/>
               </a:ext>
             </a:extLst>
           </p:cNvPr>
@@ -4904,7 +4904,7 @@
           <a:p>
             <a:fld id="{4F0E9D1D-345F-4EE0-8A6C-79738B73EA47}" type="datetime1">
               <a:rPr lang="de-DE" smtClean="0"/>
-              <a:t>03.07.2022</a:t>
+              <a:t>04.07.2022</a:t>
             </a:fld>
             <a:endParaRPr lang="de-DE"/>
           </a:p>
@@ -4915,7 +4915,7 @@
           <p:cNvPr id="8" name="Foliennummernplatzhalter 7">
             <a:extLst>
               <a:ext uri="{FF2B5EF4-FFF2-40B4-BE49-F238E27FC236}">
-                <a16:creationId xmlns:a16="http://schemas.microsoft.com/office/drawing/2014/main" xmlns="" id="{3D89841E-9B6D-C73E-D67C-854130A63724}"/>
+                <a16:creationId xmlns:a16="http://schemas.microsoft.com/office/drawing/2014/main" id="{3D89841E-9B6D-C73E-D67C-854130A63724}"/>
               </a:ext>
             </a:extLst>
           </p:cNvPr>
@@ -4944,7 +4944,7 @@
           <p:cNvPr id="3" name="Grafik 2">
             <a:extLst>
               <a:ext uri="{FF2B5EF4-FFF2-40B4-BE49-F238E27FC236}">
-                <a16:creationId xmlns:a16="http://schemas.microsoft.com/office/drawing/2014/main" xmlns="" id="{56703D57-62B6-3C65-4F34-B7F53E1F7FED}"/>
+                <a16:creationId xmlns:a16="http://schemas.microsoft.com/office/drawing/2014/main" id="{56703D57-62B6-3C65-4F34-B7F53E1F7FED}"/>
               </a:ext>
             </a:extLst>
           </p:cNvPr>
@@ -5009,7 +5009,7 @@
           <p:cNvPr id="9" name="Textfeld 8">
             <a:extLst>
               <a:ext uri="{FF2B5EF4-FFF2-40B4-BE49-F238E27FC236}">
-                <a16:creationId xmlns:a16="http://schemas.microsoft.com/office/drawing/2014/main" xmlns="" id="{99EF8AE6-2CAB-42B6-ADF7-989657C39A05}"/>
+                <a16:creationId xmlns:a16="http://schemas.microsoft.com/office/drawing/2014/main" id="{99EF8AE6-2CAB-42B6-ADF7-989657C39A05}"/>
               </a:ext>
             </a:extLst>
           </p:cNvPr>
@@ -5048,7 +5048,7 @@
           <p:cNvPr id="6" name="Datumsplatzhalter 5">
             <a:extLst>
               <a:ext uri="{FF2B5EF4-FFF2-40B4-BE49-F238E27FC236}">
-                <a16:creationId xmlns:a16="http://schemas.microsoft.com/office/drawing/2014/main" xmlns="" id="{48E9D077-55B2-E647-DBC0-A50E75AECD14}"/>
+                <a16:creationId xmlns:a16="http://schemas.microsoft.com/office/drawing/2014/main" id="{48E9D077-55B2-E647-DBC0-A50E75AECD14}"/>
               </a:ext>
             </a:extLst>
           </p:cNvPr>
@@ -5066,7 +5066,7 @@
           <a:p>
             <a:fld id="{4F0E9D1D-345F-4EE0-8A6C-79738B73EA47}" type="datetime1">
               <a:rPr lang="de-DE" smtClean="0"/>
-              <a:t>03.07.2022</a:t>
+              <a:t>04.07.2022</a:t>
             </a:fld>
             <a:endParaRPr lang="de-DE"/>
           </a:p>
@@ -5077,7 +5077,7 @@
           <p:cNvPr id="8" name="Foliennummernplatzhalter 7">
             <a:extLst>
               <a:ext uri="{FF2B5EF4-FFF2-40B4-BE49-F238E27FC236}">
-                <a16:creationId xmlns:a16="http://schemas.microsoft.com/office/drawing/2014/main" xmlns="" id="{3D89841E-9B6D-C73E-D67C-854130A63724}"/>
+                <a16:creationId xmlns:a16="http://schemas.microsoft.com/office/drawing/2014/main" id="{3D89841E-9B6D-C73E-D67C-854130A63724}"/>
               </a:ext>
             </a:extLst>
           </p:cNvPr>
@@ -5106,7 +5106,7 @@
           <p:cNvPr id="3" name="Grafik 2">
             <a:extLst>
               <a:ext uri="{FF2B5EF4-FFF2-40B4-BE49-F238E27FC236}">
-                <a16:creationId xmlns:a16="http://schemas.microsoft.com/office/drawing/2014/main" xmlns="" id="{56703D57-62B6-3C65-4F34-B7F53E1F7FED}"/>
+                <a16:creationId xmlns:a16="http://schemas.microsoft.com/office/drawing/2014/main" id="{56703D57-62B6-3C65-4F34-B7F53E1F7FED}"/>
               </a:ext>
             </a:extLst>
           </p:cNvPr>
@@ -5141,7 +5141,7 @@
           <p:cNvPr id="15" name="Gruppieren 14">
             <a:extLst>
               <a:ext uri="{FF2B5EF4-FFF2-40B4-BE49-F238E27FC236}">
-                <a16:creationId xmlns:a16="http://schemas.microsoft.com/office/drawing/2014/main" xmlns="" id="{64E1E3C7-1C9D-EFA5-9EE5-18559DE40AF0}"/>
+                <a16:creationId xmlns:a16="http://schemas.microsoft.com/office/drawing/2014/main" id="{64E1E3C7-1C9D-EFA5-9EE5-18559DE40AF0}"/>
               </a:ext>
             </a:extLst>
           </p:cNvPr>
@@ -5161,7 +5161,7 @@
             <p:cNvPr id="4" name="Grafik 3">
               <a:extLst>
                 <a:ext uri="{FF2B5EF4-FFF2-40B4-BE49-F238E27FC236}">
-                  <a16:creationId xmlns:a16="http://schemas.microsoft.com/office/drawing/2014/main" xmlns="" id="{F241513F-1AE6-78D9-C51F-CD02335422CA}"/>
+                  <a16:creationId xmlns:a16="http://schemas.microsoft.com/office/drawing/2014/main" id="{F241513F-1AE6-78D9-C51F-CD02335422CA}"/>
                 </a:ext>
               </a:extLst>
             </p:cNvPr>
@@ -5191,7 +5191,7 @@
             <p:cNvPr id="5" name="Ellipse 4">
               <a:extLst>
                 <a:ext uri="{FF2B5EF4-FFF2-40B4-BE49-F238E27FC236}">
-                  <a16:creationId xmlns:a16="http://schemas.microsoft.com/office/drawing/2014/main" xmlns="" id="{87067B63-766A-4F1F-7B78-BA59AA619B37}"/>
+                  <a16:creationId xmlns:a16="http://schemas.microsoft.com/office/drawing/2014/main" id="{87067B63-766A-4F1F-7B78-BA59AA619B37}"/>
                 </a:ext>
               </a:extLst>
             </p:cNvPr>
@@ -5243,7 +5243,7 @@
             <p:cNvPr id="10" name="Ellipse 9">
               <a:extLst>
                 <a:ext uri="{FF2B5EF4-FFF2-40B4-BE49-F238E27FC236}">
-                  <a16:creationId xmlns:a16="http://schemas.microsoft.com/office/drawing/2014/main" xmlns="" id="{D77CB6F7-06AD-34E5-76E1-96704A1DC5BA}"/>
+                  <a16:creationId xmlns:a16="http://schemas.microsoft.com/office/drawing/2014/main" id="{D77CB6F7-06AD-34E5-76E1-96704A1DC5BA}"/>
                 </a:ext>
               </a:extLst>
             </p:cNvPr>
@@ -5295,7 +5295,7 @@
             <p:cNvPr id="14" name="Ellipse 13">
               <a:extLst>
                 <a:ext uri="{FF2B5EF4-FFF2-40B4-BE49-F238E27FC236}">
-                  <a16:creationId xmlns:a16="http://schemas.microsoft.com/office/drawing/2014/main" xmlns="" id="{733058F2-DF57-096B-C185-0C3296A80E65}"/>
+                  <a16:creationId xmlns:a16="http://schemas.microsoft.com/office/drawing/2014/main" id="{733058F2-DF57-096B-C185-0C3296A80E65}"/>
                 </a:ext>
               </a:extLst>
             </p:cNvPr>
@@ -5378,7 +5378,7 @@
           <p:cNvPr id="9" name="Textfeld 8">
             <a:extLst>
               <a:ext uri="{FF2B5EF4-FFF2-40B4-BE49-F238E27FC236}">
-                <a16:creationId xmlns:a16="http://schemas.microsoft.com/office/drawing/2014/main" xmlns="" id="{99EF8AE6-2CAB-42B6-ADF7-989657C39A05}"/>
+                <a16:creationId xmlns:a16="http://schemas.microsoft.com/office/drawing/2014/main" id="{99EF8AE6-2CAB-42B6-ADF7-989657C39A05}"/>
               </a:ext>
             </a:extLst>
           </p:cNvPr>
@@ -5417,7 +5417,7 @@
           <p:cNvPr id="6" name="Datumsplatzhalter 5">
             <a:extLst>
               <a:ext uri="{FF2B5EF4-FFF2-40B4-BE49-F238E27FC236}">
-                <a16:creationId xmlns:a16="http://schemas.microsoft.com/office/drawing/2014/main" xmlns="" id="{48E9D077-55B2-E647-DBC0-A50E75AECD14}"/>
+                <a16:creationId xmlns:a16="http://schemas.microsoft.com/office/drawing/2014/main" id="{48E9D077-55B2-E647-DBC0-A50E75AECD14}"/>
               </a:ext>
             </a:extLst>
           </p:cNvPr>
@@ -5435,7 +5435,7 @@
           <a:p>
             <a:fld id="{4F0E9D1D-345F-4EE0-8A6C-79738B73EA47}" type="datetime1">
               <a:rPr lang="de-DE" smtClean="0"/>
-              <a:t>03.07.2022</a:t>
+              <a:t>04.07.2022</a:t>
             </a:fld>
             <a:endParaRPr lang="de-DE"/>
           </a:p>
@@ -5446,7 +5446,7 @@
           <p:cNvPr id="8" name="Foliennummernplatzhalter 7">
             <a:extLst>
               <a:ext uri="{FF2B5EF4-FFF2-40B4-BE49-F238E27FC236}">
-                <a16:creationId xmlns:a16="http://schemas.microsoft.com/office/drawing/2014/main" xmlns="" id="{3D89841E-9B6D-C73E-D67C-854130A63724}"/>
+                <a16:creationId xmlns:a16="http://schemas.microsoft.com/office/drawing/2014/main" id="{3D89841E-9B6D-C73E-D67C-854130A63724}"/>
               </a:ext>
             </a:extLst>
           </p:cNvPr>
@@ -5475,7 +5475,7 @@
           <p:cNvPr id="3" name="Grafik 2">
             <a:extLst>
               <a:ext uri="{FF2B5EF4-FFF2-40B4-BE49-F238E27FC236}">
-                <a16:creationId xmlns:a16="http://schemas.microsoft.com/office/drawing/2014/main" xmlns="" id="{56703D57-62B6-3C65-4F34-B7F53E1F7FED}"/>
+                <a16:creationId xmlns:a16="http://schemas.microsoft.com/office/drawing/2014/main" id="{56703D57-62B6-3C65-4F34-B7F53E1F7FED}"/>
               </a:ext>
             </a:extLst>
           </p:cNvPr>
@@ -5540,7 +5540,7 @@
           <p:cNvPr id="9" name="Textfeld 8">
             <a:extLst>
               <a:ext uri="{FF2B5EF4-FFF2-40B4-BE49-F238E27FC236}">
-                <a16:creationId xmlns:a16="http://schemas.microsoft.com/office/drawing/2014/main" xmlns="" id="{99EF8AE6-2CAB-42B6-ADF7-989657C39A05}"/>
+                <a16:creationId xmlns:a16="http://schemas.microsoft.com/office/drawing/2014/main" id="{99EF8AE6-2CAB-42B6-ADF7-989657C39A05}"/>
               </a:ext>
             </a:extLst>
           </p:cNvPr>
@@ -5564,18 +5564,13 @@
           <a:lstStyle/>
           <a:p>
             <a:r>
-              <a:rPr lang="de-DE" sz="5400" b="1" dirty="0" smtClean="0">
+              <a:rPr lang="de-DE" sz="5400" b="1" dirty="0">
                 <a:solidFill>
                   <a:srgbClr val="5C5D8D"/>
                 </a:solidFill>
               </a:rPr>
               <a:t>Ergebnis</a:t>
             </a:r>
-            <a:endParaRPr lang="de-DE" sz="5400" b="1" dirty="0">
-              <a:solidFill>
-                <a:srgbClr val="5C5D8D"/>
-              </a:solidFill>
-            </a:endParaRPr>
           </a:p>
         </p:txBody>
       </p:sp>
@@ -5584,7 +5579,7 @@
           <p:cNvPr id="6" name="Datumsplatzhalter 5">
             <a:extLst>
               <a:ext uri="{FF2B5EF4-FFF2-40B4-BE49-F238E27FC236}">
-                <a16:creationId xmlns:a16="http://schemas.microsoft.com/office/drawing/2014/main" xmlns="" id="{48E9D077-55B2-E647-DBC0-A50E75AECD14}"/>
+                <a16:creationId xmlns:a16="http://schemas.microsoft.com/office/drawing/2014/main" id="{48E9D077-55B2-E647-DBC0-A50E75AECD14}"/>
               </a:ext>
             </a:extLst>
           </p:cNvPr>
@@ -5602,7 +5597,7 @@
           <a:p>
             <a:fld id="{4F0E9D1D-345F-4EE0-8A6C-79738B73EA47}" type="datetime1">
               <a:rPr lang="de-DE" smtClean="0"/>
-              <a:t>03.07.2022</a:t>
+              <a:t>04.07.2022</a:t>
             </a:fld>
             <a:endParaRPr lang="de-DE"/>
           </a:p>
@@ -5613,7 +5608,7 @@
           <p:cNvPr id="8" name="Foliennummernplatzhalter 7">
             <a:extLst>
               <a:ext uri="{FF2B5EF4-FFF2-40B4-BE49-F238E27FC236}">
-                <a16:creationId xmlns:a16="http://schemas.microsoft.com/office/drawing/2014/main" xmlns="" id="{3D89841E-9B6D-C73E-D67C-854130A63724}"/>
+                <a16:creationId xmlns:a16="http://schemas.microsoft.com/office/drawing/2014/main" id="{3D89841E-9B6D-C73E-D67C-854130A63724}"/>
               </a:ext>
             </a:extLst>
           </p:cNvPr>
@@ -5642,7 +5637,7 @@
           <p:cNvPr id="3" name="Grafik 2">
             <a:extLst>
               <a:ext uri="{FF2B5EF4-FFF2-40B4-BE49-F238E27FC236}">
-                <a16:creationId xmlns:a16="http://schemas.microsoft.com/office/drawing/2014/main" xmlns="" id="{56703D57-62B6-3C65-4F34-B7F53E1F7FED}"/>
+                <a16:creationId xmlns:a16="http://schemas.microsoft.com/office/drawing/2014/main" id="{56703D57-62B6-3C65-4F34-B7F53E1F7FED}"/>
               </a:ext>
             </a:extLst>
           </p:cNvPr>
@@ -5708,7 +5703,7 @@
           <p:cNvPr id="4" name="Rechteck 3">
             <a:extLst>
               <a:ext uri="{FF2B5EF4-FFF2-40B4-BE49-F238E27FC236}">
-                <a16:creationId xmlns:a16="http://schemas.microsoft.com/office/drawing/2014/main" xmlns="" id="{25BC0F38-C5EA-4A88-B161-F0A7D0C230D8}"/>
+                <a16:creationId xmlns:a16="http://schemas.microsoft.com/office/drawing/2014/main" id="{25BC0F38-C5EA-4A88-B161-F0A7D0C230D8}"/>
               </a:ext>
             </a:extLst>
           </p:cNvPr>
@@ -5760,7 +5755,7 @@
           <p:cNvPr id="2" name="Textfeld 1">
             <a:extLst>
               <a:ext uri="{FF2B5EF4-FFF2-40B4-BE49-F238E27FC236}">
-                <a16:creationId xmlns:a16="http://schemas.microsoft.com/office/drawing/2014/main" xmlns="" id="{1017C281-9103-4001-B331-1945313A1AF6}"/>
+                <a16:creationId xmlns:a16="http://schemas.microsoft.com/office/drawing/2014/main" id="{1017C281-9103-4001-B331-1945313A1AF6}"/>
               </a:ext>
             </a:extLst>
           </p:cNvPr>
